--- a/cmsc125/ostep/slides/01.Virtualization/09.Scheduling_Proportional_Share.pptx
+++ b/cmsc125/ostep/slides/01.Virtualization/09.Scheduling_Proportional_Share.pptx
@@ -5,7 +5,7 @@
     <p:sldMasterId id="2147483670" r:id="rId1"/>
   </p:sldMasterIdLst>
   <p:notesMasterIdLst>
-    <p:notesMasterId r:id="rId16"/>
+    <p:notesMasterId r:id="rId25"/>
   </p:notesMasterIdLst>
   <p:sldIdLst>
     <p:sldId id="298" r:id="rId2"/>
@@ -15,13 +15,22 @@
     <p:sldId id="270" r:id="rId6"/>
     <p:sldId id="271" r:id="rId7"/>
     <p:sldId id="272" r:id="rId8"/>
-    <p:sldId id="273" r:id="rId9"/>
-    <p:sldId id="274" r:id="rId10"/>
-    <p:sldId id="275" r:id="rId11"/>
-    <p:sldId id="276" r:id="rId12"/>
-    <p:sldId id="277" r:id="rId13"/>
-    <p:sldId id="278" r:id="rId14"/>
-    <p:sldId id="279" r:id="rId15"/>
+    <p:sldId id="300" r:id="rId9"/>
+    <p:sldId id="273" r:id="rId10"/>
+    <p:sldId id="274" r:id="rId11"/>
+    <p:sldId id="275" r:id="rId12"/>
+    <p:sldId id="276" r:id="rId13"/>
+    <p:sldId id="277" r:id="rId14"/>
+    <p:sldId id="301" r:id="rId15"/>
+    <p:sldId id="278" r:id="rId16"/>
+    <p:sldId id="279" r:id="rId17"/>
+    <p:sldId id="302" r:id="rId18"/>
+    <p:sldId id="303" r:id="rId19"/>
+    <p:sldId id="304" r:id="rId20"/>
+    <p:sldId id="305" r:id="rId21"/>
+    <p:sldId id="306" r:id="rId22"/>
+    <p:sldId id="307" r:id="rId23"/>
+    <p:sldId id="308" r:id="rId24"/>
   </p:sldIdLst>
   <p:sldSz cx="12192000" cy="6858000"/>
   <p:notesSz cx="6797675" cy="9928225"/>
@@ -169,6 +178,58 @@
 </p:cmAuthorLst>
 </file>
 
+<file path=ppt/ink/ink1.xml><?xml version="1.0" encoding="utf-8"?>
+<inkml:ink xmlns:inkml="http://www.w3.org/2003/InkML">
+  <inkml:definitions>
+    <inkml:context xml:id="ctx0">
+      <inkml:inkSource xml:id="inkSrc0">
+        <inkml:traceFormat>
+          <inkml:channel name="X" type="integer" min="-2.14748E9" max="2.14748E9" units="cm"/>
+          <inkml:channel name="Y" type="integer" min="-2.14748E9" max="2.14748E9" units="cm"/>
+        </inkml:traceFormat>
+        <inkml:channelProperties>
+          <inkml:channelProperty channel="X" name="resolution" value="1000" units="1/cm"/>
+          <inkml:channelProperty channel="Y" name="resolution" value="1000" units="1/cm"/>
+        </inkml:channelProperties>
+      </inkml:inkSource>
+      <inkml:timestamp xml:id="ts0" timeString="2021-08-31T12:48:54.596"/>
+    </inkml:context>
+    <inkml:brush xml:id="br0">
+      <inkml:brushProperty name="width" value="0.05" units="cm"/>
+      <inkml:brushProperty name="height" value="0.05" units="cm"/>
+      <inkml:brushProperty name="ignorePressure" value="1"/>
+    </inkml:brush>
+  </inkml:definitions>
+  <inkml:trace contextRef="#ctx0" brushRef="#br0">10 1,'-4'0,"-1"0</inkml:trace>
+</inkml:ink>
+</file>
+
+<file path=ppt/ink/ink2.xml><?xml version="1.0" encoding="utf-8"?>
+<inkml:ink xmlns:inkml="http://www.w3.org/2003/InkML">
+  <inkml:definitions>
+    <inkml:context xml:id="ctx0">
+      <inkml:inkSource xml:id="inkSrc0">
+        <inkml:traceFormat>
+          <inkml:channel name="X" type="integer" min="-2.14748E9" max="2.14748E9" units="cm"/>
+          <inkml:channel name="Y" type="integer" min="-2.14748E9" max="2.14748E9" units="cm"/>
+        </inkml:traceFormat>
+        <inkml:channelProperties>
+          <inkml:channelProperty channel="X" name="resolution" value="1000" units="1/cm"/>
+          <inkml:channelProperty channel="Y" name="resolution" value="1000" units="1/cm"/>
+        </inkml:channelProperties>
+      </inkml:inkSource>
+      <inkml:timestamp xml:id="ts0" timeString="2021-08-31T12:48:53.749"/>
+    </inkml:context>
+    <inkml:brush xml:id="br0">
+      <inkml:brushProperty name="width" value="0.05" units="cm"/>
+      <inkml:brushProperty name="height" value="0.05" units="cm"/>
+      <inkml:brushProperty name="ignorePressure" value="1"/>
+    </inkml:brush>
+  </inkml:definitions>
+  <inkml:trace contextRef="#ctx0" brushRef="#br0">1 0</inkml:trace>
+</inkml:ink>
+</file>
+
 <file path=ppt/notesMasters/notesMaster1.xml><?xml version="1.0" encoding="utf-8"?>
 <p:notesMaster xmlns:a="http://schemas.openxmlformats.org/drawingml/2006/main" xmlns:r="http://schemas.openxmlformats.org/officeDocument/2006/relationships" xmlns:p="http://schemas.openxmlformats.org/presentationml/2006/main">
   <p:cSld>
@@ -251,7 +312,7 @@
           <a:p>
             <a:fld id="{050F0499-AE52-4672-879B-3107B2FC2A9F}" type="datetimeFigureOut">
               <a:rPr lang="ko-KR" altLang="en-US" smtClean="0"/>
-              <a:t>2021-07-20</a:t>
+              <a:t>2021-09-01</a:t>
             </a:fld>
             <a:endParaRPr lang="ko-KR" altLang="en-US"/>
           </a:p>
@@ -1753,7 +1814,7 @@
           <a:p>
             <a:r>
               <a:rPr lang="en-US" altLang="ko-KR" dirty="0"/>
-              <a:t>Implementation</a:t>
+              <a:t>Ticket Mechanisms (Cont.)</a:t>
             </a:r>
             <a:endParaRPr lang="ko-KR" altLang="en-US" dirty="0"/>
           </a:p>
@@ -1775,8 +1836,164 @@
           <a:lstStyle/>
           <a:p>
             <a:r>
+              <a:rPr lang="en-US" altLang="ko-KR" b="1" dirty="0"/>
+              <a:t>#2:Ticket Transfer</a:t>
+            </a:r>
+          </a:p>
+          <a:p>
+            <a:pPr lvl="1"/>
+            <a:r>
               <a:rPr lang="en-US" altLang="ko-KR" dirty="0"/>
-              <a:t>Example: There are there processes, A, B, and C.</a:t>
+              <a:t>A process can temporarily </a:t>
+            </a:r>
+            <a:r>
+              <a:rPr lang="en-US" altLang="ko-KR" u="sng" dirty="0"/>
+              <a:t>hand off</a:t>
+            </a:r>
+            <a:r>
+              <a:rPr lang="en-US" altLang="ko-KR" dirty="0"/>
+              <a:t> </a:t>
+            </a:r>
+            <a:r>
+              <a:rPr lang="en-US" altLang="ko-KR" i="1" dirty="0"/>
+              <a:t>its tickets </a:t>
+            </a:r>
+            <a:r>
+              <a:rPr lang="en-US" altLang="ko-KR" dirty="0"/>
+              <a:t>to another process</a:t>
+            </a:r>
+          </a:p>
+          <a:p>
+            <a:pPr lvl="1"/>
+            <a:r>
+              <a:rPr lang="en-US" altLang="ko-KR" dirty="0"/>
+              <a:t>Useful in client-server applications with server doing tasks on behalf client</a:t>
+            </a:r>
+          </a:p>
+          <a:p>
+            <a:pPr lvl="1"/>
+            <a:endParaRPr lang="en-US" altLang="ko-KR" dirty="0"/>
+          </a:p>
+          <a:p>
+            <a:r>
+              <a:rPr lang="en-US" altLang="ko-KR" b="1" dirty="0"/>
+              <a:t>#3: Ticket inflation</a:t>
+            </a:r>
+          </a:p>
+          <a:p>
+            <a:pPr lvl="1"/>
+            <a:r>
+              <a:rPr lang="en-US" altLang="ko-KR" dirty="0"/>
+              <a:t>A process can </a:t>
+            </a:r>
+            <a:r>
+              <a:rPr lang="en-US" altLang="ko-KR" u="sng" dirty="0"/>
+              <a:t>temporarily raise or lower</a:t>
+            </a:r>
+            <a:r>
+              <a:rPr lang="en-US" altLang="ko-KR" dirty="0"/>
+              <a:t> the number of tickets it owns</a:t>
+            </a:r>
+          </a:p>
+          <a:p>
+            <a:pPr lvl="1"/>
+            <a:r>
+              <a:rPr lang="en-US" altLang="ko-KR" dirty="0"/>
+              <a:t>If any one process needs </a:t>
+            </a:r>
+            <a:r>
+              <a:rPr lang="en-US" altLang="ko-KR" i="1" dirty="0"/>
+              <a:t>more CPU time</a:t>
+            </a:r>
+            <a:r>
+              <a:rPr lang="en-US" altLang="ko-KR" dirty="0"/>
+              <a:t>, it can boost its tickets</a:t>
+            </a:r>
+          </a:p>
+          <a:p>
+            <a:pPr lvl="1"/>
+            <a:r>
+              <a:rPr lang="en-US" altLang="ko-KR" dirty="0"/>
+              <a:t>Assumes that a group of processes trust each other</a:t>
+            </a:r>
+            <a:endParaRPr lang="ko-KR" altLang="en-US" dirty="0"/>
+          </a:p>
+        </p:txBody>
+      </p:sp>
+    </p:spTree>
+    <p:extLst>
+      <p:ext uri="{BB962C8B-B14F-4D97-AF65-F5344CB8AC3E}">
+        <p14:creationId xmlns:p14="http://schemas.microsoft.com/office/powerpoint/2010/main" val="493289673"/>
+      </p:ext>
+    </p:extLst>
+  </p:cSld>
+  <p:clrMapOvr>
+    <a:masterClrMapping/>
+  </p:clrMapOvr>
+  <p:transition>
+    <p:zoom/>
+  </p:transition>
+</p:sld>
+</file>
+
+<file path=ppt/slides/slide11.xml><?xml version="1.0" encoding="utf-8"?>
+<p:sld xmlns:a="http://schemas.openxmlformats.org/drawingml/2006/main" xmlns:r="http://schemas.openxmlformats.org/officeDocument/2006/relationships" xmlns:p="http://schemas.openxmlformats.org/presentationml/2006/main">
+  <p:cSld>
+    <p:spTree>
+      <p:nvGrpSpPr>
+        <p:cNvPr id="1" name=""/>
+        <p:cNvGrpSpPr/>
+        <p:nvPr/>
+      </p:nvGrpSpPr>
+      <p:grpSpPr>
+        <a:xfrm>
+          <a:off x="0" y="0"/>
+          <a:ext cx="0" cy="0"/>
+          <a:chOff x="0" y="0"/>
+          <a:chExt cx="0" cy="0"/>
+        </a:xfrm>
+      </p:grpSpPr>
+      <p:sp>
+        <p:nvSpPr>
+          <p:cNvPr id="2" name="제목 1"/>
+          <p:cNvSpPr>
+            <a:spLocks noGrp="1"/>
+          </p:cNvSpPr>
+          <p:nvPr>
+            <p:ph type="title"/>
+          </p:nvPr>
+        </p:nvSpPr>
+        <p:spPr/>
+        <p:txBody>
+          <a:bodyPr/>
+          <a:lstStyle/>
+          <a:p>
+            <a:r>
+              <a:rPr lang="en-US" altLang="ko-KR" dirty="0"/>
+              <a:t>Implementation</a:t>
+            </a:r>
+            <a:endParaRPr lang="ko-KR" altLang="en-US" dirty="0"/>
+          </a:p>
+        </p:txBody>
+      </p:sp>
+      <p:sp>
+        <p:nvSpPr>
+          <p:cNvPr id="3" name="내용 개체 틀 2"/>
+          <p:cNvSpPr>
+            <a:spLocks noGrp="1"/>
+          </p:cNvSpPr>
+          <p:nvPr>
+            <p:ph idx="1"/>
+          </p:nvPr>
+        </p:nvSpPr>
+        <p:spPr/>
+        <p:txBody>
+          <a:bodyPr/>
+          <a:lstStyle/>
+          <a:p>
+            <a:r>
+              <a:rPr lang="en-US" altLang="ko-KR" dirty="0"/>
+              <a:t>Example: There are three processes, A, B, and C. There are 400 tickets in total. Current draw returns winner=300.</a:t>
             </a:r>
           </a:p>
           <a:p>
@@ -2969,6 +3186,74 @@
           </a:p>
         </p:txBody>
       </p:sp>
+      <p:sp>
+        <p:nvSpPr>
+          <p:cNvPr id="18" name="모서리가 둥근 직사각형 6">
+            <a:extLst>
+              <a:ext uri="{FF2B5EF4-FFF2-40B4-BE49-F238E27FC236}">
+                <a16:creationId xmlns:a16="http://schemas.microsoft.com/office/drawing/2014/main" id="{B1DD5C6C-32A3-4D69-93C8-697B66F0E0FF}"/>
+              </a:ext>
+            </a:extLst>
+          </p:cNvPr>
+          <p:cNvSpPr/>
+          <p:nvPr/>
+        </p:nvSpPr>
+        <p:spPr>
+          <a:xfrm>
+            <a:off x="9441336" y="5814388"/>
+            <a:ext cx="2536921" cy="792088"/>
+          </a:xfrm>
+          <a:prstGeom prst="roundRect">
+            <a:avLst>
+              <a:gd name="adj" fmla="val 14582"/>
+            </a:avLst>
+          </a:prstGeom>
+          <a:solidFill>
+            <a:srgbClr val="FFC000"/>
+          </a:solidFill>
+          <a:ln w="15875">
+            <a:solidFill>
+              <a:schemeClr val="accent6">
+                <a:lumMod val="50000"/>
+              </a:schemeClr>
+            </a:solidFill>
+          </a:ln>
+          <a:effectLst/>
+        </p:spPr>
+        <p:style>
+          <a:lnRef idx="3">
+            <a:schemeClr val="lt1"/>
+          </a:lnRef>
+          <a:fillRef idx="1">
+            <a:schemeClr val="accent1"/>
+          </a:fillRef>
+          <a:effectRef idx="1">
+            <a:schemeClr val="accent1"/>
+          </a:effectRef>
+          <a:fontRef idx="minor">
+            <a:schemeClr val="lt1"/>
+          </a:fontRef>
+        </p:style>
+        <p:txBody>
+          <a:bodyPr wrap="square" lIns="108000" rIns="108000" rtlCol="0" anchor="ctr">
+            <a:noAutofit/>
+          </a:bodyPr>
+          <a:lstStyle/>
+          <a:p>
+            <a:pPr algn="ctr"/>
+            <a:r>
+              <a:rPr lang="en-US" altLang="ko-KR" sz="1600" b="1" dirty="0">
+                <a:solidFill>
+                  <a:prstClr val="black"/>
+                </a:solidFill>
+                <a:latin typeface="맑은 고딕" panose="020B0503020000020004" pitchFamily="50" charset="-127"/>
+                <a:ea typeface="맑은 고딕" panose="020B0503020000020004" pitchFamily="50" charset="-127"/>
+              </a:rPr>
+              <a:t>What optimizations can you think of?</a:t>
+            </a:r>
+          </a:p>
+        </p:txBody>
+      </p:sp>
     </p:spTree>
     <p:extLst>
       <p:ext uri="{BB962C8B-B14F-4D97-AF65-F5344CB8AC3E}">
@@ -2985,7 +3270,7 @@
 </p:sld>
 </file>
 
-<file path=ppt/slides/slide11.xml><?xml version="1.0" encoding="utf-8"?>
+<file path=ppt/slides/slide12.xml><?xml version="1.0" encoding="utf-8"?>
 <p:sld xmlns:a="http://schemas.openxmlformats.org/drawingml/2006/main" xmlns:r="http://schemas.openxmlformats.org/officeDocument/2006/relationships" xmlns:p="http://schemas.openxmlformats.org/presentationml/2006/main">
   <p:cSld>
     <p:spTree>
@@ -3044,21 +3329,35 @@
               <a:p>
                 <a:r>
                   <a:rPr lang="en-US" altLang="ko-KR" dirty="0">
-                    <a:latin typeface="Courier New" pitchFamily="49" charset="0"/>
                     <a:cs typeface="Courier New" pitchFamily="49" charset="0"/>
                   </a:rPr>
-                  <a:t>U</a:t>
+                  <a:t>Define fairness metric </a:t>
                 </a:r>
                 <a:r>
-                  <a:rPr lang="en-US" altLang="ko-KR" dirty="0"/>
-                  <a:t>: unfairness metric</a:t>
+                  <a:rPr lang="en-US" altLang="ko-KR" dirty="0">
+                    <a:latin typeface="Courier New" panose="02070309020205020404" pitchFamily="49" charset="0"/>
+                    <a:cs typeface="Courier New" panose="02070309020205020404" pitchFamily="49" charset="0"/>
+                  </a:rPr>
+                  <a:t>F</a:t>
                 </a:r>
               </a:p>
               <a:p>
                 <a:pPr lvl="1"/>
                 <a:r>
                   <a:rPr lang="en-US" altLang="ko-KR" dirty="0"/>
-                  <a:t>The time the first job completes divided by the time that the second job completes.</a:t>
+                  <a:t>The time the </a:t>
+                </a:r>
+                <a:r>
+                  <a:rPr lang="en-US" altLang="ko-KR" u="sng" dirty="0"/>
+                  <a:t>first process completes</a:t>
+                </a:r>
+                <a:r>
+                  <a:rPr lang="en-US" altLang="ko-KR" dirty="0"/>
+                  <a:t> divided by the time that the </a:t>
+                </a:r>
+                <a:r>
+                  <a:rPr lang="en-US" altLang="ko-KR" u="sng" dirty="0"/>
+                  <a:t>second process completes</a:t>
                 </a:r>
               </a:p>
               <a:p>
@@ -3071,21 +3370,32 @@
                 <a:pPr lvl="1"/>
                 <a:r>
                   <a:rPr lang="en-US" altLang="ko-KR" dirty="0"/>
-                  <a:t>There are two jobs, each jobs has runtime 10.</a:t>
+                  <a:t>There are two processes, each process has a run time </a:t>
+                </a:r>
+                <a:r>
+                  <a:rPr lang="en-US" altLang="ko-KR" dirty="0">
+                    <a:latin typeface="Courier New" panose="02070309020205020404" pitchFamily="49" charset="0"/>
+                    <a:cs typeface="Courier New" panose="02070309020205020404" pitchFamily="49" charset="0"/>
+                  </a:rPr>
+                  <a:t>R</a:t>
+                </a:r>
+                <a:r>
+                  <a:rPr lang="en-US" altLang="ko-KR" dirty="0"/>
+                  <a:t>=10</a:t>
                 </a:r>
               </a:p>
               <a:p>
                 <a:pPr lvl="2"/>
                 <a:r>
                   <a:rPr lang="en-US" altLang="ko-KR" dirty="0"/>
-                  <a:t>First job finishes at time 10</a:t>
+                  <a:t>First process finishes at time 10</a:t>
                 </a:r>
               </a:p>
               <a:p>
                 <a:pPr lvl="2"/>
                 <a:r>
                   <a:rPr lang="en-US" altLang="ko-KR" dirty="0"/>
-                  <a:t>Second job finishes at time 20</a:t>
+                  <a:t>Second process finishes at time 20</a:t>
                 </a:r>
               </a:p>
               <a:p>
@@ -3095,7 +3405,7 @@
                     <a:latin typeface="Courier New" pitchFamily="49" charset="0"/>
                     <a:cs typeface="Courier New" pitchFamily="49" charset="0"/>
                   </a:rPr>
-                  <a:t>U</a:t>
+                  <a:t>F</a:t>
                 </a:r>
                 <a14:m>
                   <m:oMath xmlns:m="http://schemas.openxmlformats.org/officeDocument/2006/math">
@@ -3147,7 +3457,7 @@
                     <a:latin typeface="Courier New" pitchFamily="49" charset="0"/>
                     <a:cs typeface="Courier New" pitchFamily="49" charset="0"/>
                   </a:rPr>
-                  <a:t>U</a:t>
+                  <a:t>F</a:t>
                 </a:r>
                 <a:r>
                   <a:rPr lang="en-US" altLang="ko-KR" dirty="0"/>
@@ -3173,10 +3483,10 @@
               </p:nvPr>
             </p:nvSpPr>
             <p:spPr>
-              <a:blipFill rotWithShape="1">
+              <a:blipFill>
                 <a:blip r:embed="rId2"/>
                 <a:stretch>
-                  <a:fillRect/>
+                  <a:fillRect l="-52"/>
                 </a:stretch>
               </a:blipFill>
             </p:spPr>
@@ -3185,7 +3495,7 @@
               <a:lstStyle/>
               <a:p>
                 <a:r>
-                  <a:rPr lang="ko-KR" altLang="en-US">
+                  <a:rPr lang="en-PH">
                     <a:noFill/>
                   </a:rPr>
                   <a:t> </a:t>
@@ -3199,258 +3509,6 @@
     <p:extLst>
       <p:ext uri="{BB962C8B-B14F-4D97-AF65-F5344CB8AC3E}">
         <p14:creationId xmlns:p14="http://schemas.microsoft.com/office/powerpoint/2010/main" val="677171850"/>
-      </p:ext>
-    </p:extLst>
-  </p:cSld>
-  <p:clrMapOvr>
-    <a:masterClrMapping/>
-  </p:clrMapOvr>
-  <p:transition>
-    <p:zoom/>
-  </p:transition>
-</p:sld>
-</file>
-
-<file path=ppt/slides/slide12.xml><?xml version="1.0" encoding="utf-8"?>
-<p:sld xmlns:a="http://schemas.openxmlformats.org/drawingml/2006/main" xmlns:r="http://schemas.openxmlformats.org/officeDocument/2006/relationships" xmlns:p="http://schemas.openxmlformats.org/presentationml/2006/main">
-  <p:cSld>
-    <p:spTree>
-      <p:nvGrpSpPr>
-        <p:cNvPr id="1" name=""/>
-        <p:cNvGrpSpPr/>
-        <p:nvPr/>
-      </p:nvGrpSpPr>
-      <p:grpSpPr>
-        <a:xfrm>
-          <a:off x="0" y="0"/>
-          <a:ext cx="0" cy="0"/>
-          <a:chOff x="0" y="0"/>
-          <a:chExt cx="0" cy="0"/>
-        </a:xfrm>
-      </p:grpSpPr>
-      <p:sp>
-        <p:nvSpPr>
-          <p:cNvPr id="2" name="제목 1"/>
-          <p:cNvSpPr>
-            <a:spLocks noGrp="1"/>
-          </p:cNvSpPr>
-          <p:nvPr>
-            <p:ph type="title"/>
-          </p:nvPr>
-        </p:nvSpPr>
-        <p:spPr/>
-        <p:txBody>
-          <a:bodyPr/>
-          <a:lstStyle/>
-          <a:p>
-            <a:r>
-              <a:rPr lang="en-US" altLang="ko-KR" dirty="0"/>
-              <a:t>Lottery Fairness Study</a:t>
-            </a:r>
-            <a:endParaRPr lang="ko-KR" altLang="en-US" dirty="0"/>
-          </a:p>
-        </p:txBody>
-      </p:sp>
-      <p:sp>
-        <p:nvSpPr>
-          <p:cNvPr id="3" name="내용 개체 틀 2"/>
-          <p:cNvSpPr>
-            <a:spLocks noGrp="1"/>
-          </p:cNvSpPr>
-          <p:nvPr>
-            <p:ph idx="1"/>
-          </p:nvPr>
-        </p:nvSpPr>
-        <p:spPr/>
-        <p:txBody>
-          <a:bodyPr/>
-          <a:lstStyle/>
-          <a:p>
-            <a:r>
-              <a:rPr lang="en-US" altLang="ko-KR" dirty="0"/>
-              <a:t>There are two jobs.</a:t>
-            </a:r>
-          </a:p>
-          <a:p>
-            <a:pPr lvl="1"/>
-            <a:r>
-              <a:rPr lang="en-US" altLang="ko-KR" dirty="0"/>
-              <a:t>Each jobs has the same number of tickets (100).</a:t>
-            </a:r>
-          </a:p>
-          <a:p>
-            <a:pPr lvl="1"/>
-            <a:endParaRPr lang="en-US" altLang="ko-KR" dirty="0"/>
-          </a:p>
-          <a:p>
-            <a:pPr lvl="1"/>
-            <a:endParaRPr lang="en-US" altLang="ko-KR" dirty="0"/>
-          </a:p>
-        </p:txBody>
-      </p:sp>
-      <p:pic>
-        <p:nvPicPr>
-          <p:cNvPr id="1026" name="Picture 2"/>
-          <p:cNvPicPr>
-            <a:picLocks noChangeAspect="1" noChangeArrowheads="1"/>
-          </p:cNvPicPr>
-          <p:nvPr/>
-        </p:nvPicPr>
-        <p:blipFill>
-          <a:blip r:embed="rId2">
-            <a:extLst>
-              <a:ext uri="{28A0092B-C50C-407E-A947-70E740481C1C}">
-                <a14:useLocalDpi xmlns:a14="http://schemas.microsoft.com/office/drawing/2010/main" val="0"/>
-              </a:ext>
-            </a:extLst>
-          </a:blip>
-          <a:srcRect/>
-          <a:stretch>
-            <a:fillRect/>
-          </a:stretch>
-        </p:blipFill>
-        <p:spPr bwMode="auto">
-          <a:xfrm>
-            <a:off x="3791744" y="1988841"/>
-            <a:ext cx="3672408" cy="3322099"/>
-          </a:xfrm>
-          <a:prstGeom prst="rect">
-            <a:avLst/>
-          </a:prstGeom>
-          <a:noFill/>
-          <a:ln>
-            <a:noFill/>
-          </a:ln>
-          <a:effectLst/>
-          <a:extLst>
-            <a:ext uri="{909E8E84-426E-40DD-AFC4-6F175D3DCCD1}">
-              <a14:hiddenFill xmlns:a14="http://schemas.microsoft.com/office/drawing/2010/main">
-                <a:solidFill>
-                  <a:schemeClr val="accent1"/>
-                </a:solidFill>
-              </a14:hiddenFill>
-            </a:ext>
-            <a:ext uri="{91240B29-F687-4F45-9708-019B960494DF}">
-              <a14:hiddenLine xmlns:a14="http://schemas.microsoft.com/office/drawing/2010/main" w="9525">
-                <a:solidFill>
-                  <a:schemeClr val="tx1"/>
-                </a:solidFill>
-                <a:miter lim="800000"/>
-                <a:headEnd/>
-                <a:tailEnd/>
-              </a14:hiddenLine>
-            </a:ext>
-            <a:ext uri="{AF507438-7753-43E0-B8FC-AC1667EBCBE1}">
-              <a14:hiddenEffects xmlns:a14="http://schemas.microsoft.com/office/drawing/2010/main">
-                <a:effectLst>
-                  <a:outerShdw dist="35921" dir="2700000" algn="ctr" rotWithShape="0">
-                    <a:schemeClr val="bg2"/>
-                  </a:outerShdw>
-                </a:effectLst>
-              </a14:hiddenEffects>
-            </a:ext>
-          </a:extLst>
-        </p:spPr>
-      </p:pic>
-      <p:sp>
-        <p:nvSpPr>
-          <p:cNvPr id="7" name="모서리가 둥근 직사각형 6"/>
-          <p:cNvSpPr/>
-          <p:nvPr/>
-        </p:nvSpPr>
-        <p:spPr>
-          <a:xfrm>
-            <a:off x="3071664" y="5517232"/>
-            <a:ext cx="6408712" cy="792088"/>
-          </a:xfrm>
-          <a:prstGeom prst="roundRect">
-            <a:avLst>
-              <a:gd name="adj" fmla="val 14582"/>
-            </a:avLst>
-          </a:prstGeom>
-          <a:solidFill>
-            <a:srgbClr val="FFC000"/>
-          </a:solidFill>
-          <a:ln w="15875">
-            <a:solidFill>
-              <a:schemeClr val="accent6">
-                <a:lumMod val="50000"/>
-              </a:schemeClr>
-            </a:solidFill>
-          </a:ln>
-          <a:effectLst/>
-        </p:spPr>
-        <p:style>
-          <a:lnRef idx="3">
-            <a:schemeClr val="lt1"/>
-          </a:lnRef>
-          <a:fillRef idx="1">
-            <a:schemeClr val="accent1"/>
-          </a:fillRef>
-          <a:effectRef idx="1">
-            <a:schemeClr val="accent1"/>
-          </a:effectRef>
-          <a:fontRef idx="minor">
-            <a:schemeClr val="lt1"/>
-          </a:fontRef>
-        </p:style>
-        <p:txBody>
-          <a:bodyPr wrap="square" lIns="108000" rIns="108000" rtlCol="0" anchor="ctr">
-            <a:noAutofit/>
-          </a:bodyPr>
-          <a:lstStyle/>
-          <a:p>
-            <a:pPr algn="ctr"/>
-            <a:r>
-              <a:rPr lang="en-US" altLang="ko-KR" sz="1600" b="1" dirty="0">
-                <a:solidFill>
-                  <a:prstClr val="black"/>
-                </a:solidFill>
-                <a:latin typeface="맑은 고딕" panose="020B0503020000020004" pitchFamily="50" charset="-127"/>
-                <a:ea typeface="맑은 고딕" panose="020B0503020000020004" pitchFamily="50" charset="-127"/>
-              </a:rPr>
-              <a:t>When the job length is not very long,</a:t>
-            </a:r>
-          </a:p>
-          <a:p>
-            <a:pPr algn="ctr"/>
-            <a:r>
-              <a:rPr lang="en-US" altLang="ko-KR" sz="1600" b="1" dirty="0">
-                <a:solidFill>
-                  <a:prstClr val="black"/>
-                </a:solidFill>
-                <a:latin typeface="맑은 고딕" panose="020B0503020000020004" pitchFamily="50" charset="-127"/>
-                <a:ea typeface="맑은 고딕" panose="020B0503020000020004" pitchFamily="50" charset="-127"/>
-              </a:rPr>
-              <a:t>average unfairness can be </a:t>
-            </a:r>
-            <a:r>
-              <a:rPr lang="en-US" altLang="ko-KR" sz="1600" b="1" dirty="0">
-                <a:solidFill>
-                  <a:srgbClr val="FF0000"/>
-                </a:solidFill>
-                <a:latin typeface="맑은 고딕" panose="020B0503020000020004" pitchFamily="50" charset="-127"/>
-                <a:ea typeface="맑은 고딕" panose="020B0503020000020004" pitchFamily="50" charset="-127"/>
-              </a:rPr>
-              <a:t>quite severe</a:t>
-            </a:r>
-            <a:r>
-              <a:rPr lang="en-US" altLang="ko-KR" sz="1600" b="1" dirty="0">
-                <a:solidFill>
-                  <a:prstClr val="black"/>
-                </a:solidFill>
-                <a:latin typeface="맑은 고딕" panose="020B0503020000020004" pitchFamily="50" charset="-127"/>
-                <a:ea typeface="맑은 고딕" panose="020B0503020000020004" pitchFamily="50" charset="-127"/>
-              </a:rPr>
-              <a:t>.</a:t>
-            </a:r>
-          </a:p>
-        </p:txBody>
-      </p:sp>
-    </p:spTree>
-    <p:extLst>
-      <p:ext uri="{BB962C8B-B14F-4D97-AF65-F5344CB8AC3E}">
-        <p14:creationId xmlns:p14="http://schemas.microsoft.com/office/powerpoint/2010/main" val="1133669746"/>
       </p:ext>
     </p:extLst>
   </p:cSld>
@@ -3497,7 +3555,7 @@
           <a:p>
             <a:r>
               <a:rPr lang="en-US" altLang="ko-KR" dirty="0"/>
-              <a:t>Stride Scheduling</a:t>
+              <a:t>Lottery Fairness Study</a:t>
             </a:r>
             <a:endParaRPr lang="ko-KR" altLang="en-US" dirty="0"/>
           </a:p>
@@ -3519,6 +3577,356 @@
           <a:lstStyle/>
           <a:p>
             <a:r>
+              <a:rPr lang="en-US" altLang="ko-KR" dirty="0"/>
+              <a:t>Simulation Scenario: </a:t>
+            </a:r>
+          </a:p>
+          <a:p>
+            <a:pPr lvl="1"/>
+            <a:r>
+              <a:rPr lang="en-US" altLang="ko-KR" dirty="0"/>
+              <a:t>Two processes with run time </a:t>
+            </a:r>
+            <a:r>
+              <a:rPr lang="en-US" altLang="ko-KR" dirty="0">
+                <a:latin typeface="Courier New" panose="02070309020205020404" pitchFamily="49" charset="0"/>
+                <a:cs typeface="Courier New" panose="02070309020205020404" pitchFamily="49" charset="0"/>
+              </a:rPr>
+              <a:t>R</a:t>
+            </a:r>
+            <a:r>
+              <a:rPr lang="en-US" altLang="ko-KR" dirty="0"/>
+              <a:t> ranging from 1 to 1000. Over thirty(30) trials.</a:t>
+            </a:r>
+          </a:p>
+          <a:p>
+            <a:pPr lvl="1"/>
+            <a:r>
+              <a:rPr lang="en-US" altLang="ko-KR" dirty="0"/>
+              <a:t>Each process has the same number of tickets (100).</a:t>
+            </a:r>
+          </a:p>
+          <a:p>
+            <a:pPr lvl="1"/>
+            <a:endParaRPr lang="en-US" altLang="ko-KR" dirty="0"/>
+          </a:p>
+          <a:p>
+            <a:pPr lvl="1"/>
+            <a:endParaRPr lang="en-US" altLang="ko-KR" dirty="0"/>
+          </a:p>
+        </p:txBody>
+      </p:sp>
+      <p:sp>
+        <p:nvSpPr>
+          <p:cNvPr id="7" name="모서리가 둥근 직사각형 6"/>
+          <p:cNvSpPr/>
+          <p:nvPr/>
+        </p:nvSpPr>
+        <p:spPr>
+          <a:xfrm>
+            <a:off x="3071664" y="5949280"/>
+            <a:ext cx="6408712" cy="792088"/>
+          </a:xfrm>
+          <a:prstGeom prst="roundRect">
+            <a:avLst>
+              <a:gd name="adj" fmla="val 14582"/>
+            </a:avLst>
+          </a:prstGeom>
+          <a:solidFill>
+            <a:srgbClr val="FFC000"/>
+          </a:solidFill>
+          <a:ln w="15875">
+            <a:solidFill>
+              <a:schemeClr val="accent6">
+                <a:lumMod val="50000"/>
+              </a:schemeClr>
+            </a:solidFill>
+          </a:ln>
+          <a:effectLst/>
+        </p:spPr>
+        <p:style>
+          <a:lnRef idx="3">
+            <a:schemeClr val="lt1"/>
+          </a:lnRef>
+          <a:fillRef idx="1">
+            <a:schemeClr val="accent1"/>
+          </a:fillRef>
+          <a:effectRef idx="1">
+            <a:schemeClr val="accent1"/>
+          </a:effectRef>
+          <a:fontRef idx="minor">
+            <a:schemeClr val="lt1"/>
+          </a:fontRef>
+        </p:style>
+        <p:txBody>
+          <a:bodyPr wrap="square" lIns="108000" rIns="108000" rtlCol="0" anchor="ctr">
+            <a:noAutofit/>
+          </a:bodyPr>
+          <a:lstStyle/>
+          <a:p>
+            <a:pPr algn="ctr"/>
+            <a:r>
+              <a:rPr lang="en-US" altLang="ko-KR" sz="1600" b="1" dirty="0">
+                <a:solidFill>
+                  <a:prstClr val="black"/>
+                </a:solidFill>
+                <a:latin typeface="맑은 고딕" panose="020B0503020000020004" pitchFamily="50" charset="-127"/>
+                <a:ea typeface="맑은 고딕" panose="020B0503020000020004" pitchFamily="50" charset="-127"/>
+              </a:rPr>
+              <a:t>When the runtime is not very long,</a:t>
+            </a:r>
+          </a:p>
+          <a:p>
+            <a:pPr algn="ctr"/>
+            <a:r>
+              <a:rPr lang="en-US" altLang="ko-KR" sz="1600" b="1" dirty="0">
+                <a:solidFill>
+                  <a:prstClr val="black"/>
+                </a:solidFill>
+                <a:latin typeface="맑은 고딕" panose="020B0503020000020004" pitchFamily="50" charset="-127"/>
+                <a:ea typeface="맑은 고딕" panose="020B0503020000020004" pitchFamily="50" charset="-127"/>
+              </a:rPr>
+              <a:t>average fairness can be </a:t>
+            </a:r>
+            <a:r>
+              <a:rPr lang="en-US" altLang="ko-KR" sz="1600" b="1" dirty="0">
+                <a:solidFill>
+                  <a:srgbClr val="FF0000"/>
+                </a:solidFill>
+                <a:latin typeface="맑은 고딕" panose="020B0503020000020004" pitchFamily="50" charset="-127"/>
+                <a:ea typeface="맑은 고딕" panose="020B0503020000020004" pitchFamily="50" charset="-127"/>
+              </a:rPr>
+              <a:t>quite severe</a:t>
+            </a:r>
+            <a:r>
+              <a:rPr lang="en-US" altLang="ko-KR" sz="1600" b="1" dirty="0">
+                <a:solidFill>
+                  <a:prstClr val="black"/>
+                </a:solidFill>
+                <a:latin typeface="맑은 고딕" panose="020B0503020000020004" pitchFamily="50" charset="-127"/>
+                <a:ea typeface="맑은 고딕" panose="020B0503020000020004" pitchFamily="50" charset="-127"/>
+              </a:rPr>
+              <a:t>.</a:t>
+            </a:r>
+          </a:p>
+        </p:txBody>
+      </p:sp>
+      <p:pic>
+        <p:nvPicPr>
+          <p:cNvPr id="5" name="Picture 4">
+            <a:extLst>
+              <a:ext uri="{FF2B5EF4-FFF2-40B4-BE49-F238E27FC236}">
+                <a16:creationId xmlns:a16="http://schemas.microsoft.com/office/drawing/2014/main" id="{59819A3F-F5AA-4B76-A450-60C2D640A68F}"/>
+              </a:ext>
+            </a:extLst>
+          </p:cNvPr>
+          <p:cNvPicPr>
+            <a:picLocks noChangeAspect="1"/>
+          </p:cNvPicPr>
+          <p:nvPr/>
+        </p:nvPicPr>
+        <p:blipFill>
+          <a:blip r:embed="rId2"/>
+          <a:stretch>
+            <a:fillRect/>
+          </a:stretch>
+        </p:blipFill>
+        <p:spPr>
+          <a:xfrm>
+            <a:off x="4347808" y="2455256"/>
+            <a:ext cx="3496384" cy="3283987"/>
+          </a:xfrm>
+          <a:prstGeom prst="rect">
+            <a:avLst/>
+          </a:prstGeom>
+        </p:spPr>
+      </p:pic>
+    </p:spTree>
+    <p:extLst>
+      <p:ext uri="{BB962C8B-B14F-4D97-AF65-F5344CB8AC3E}">
+        <p14:creationId xmlns:p14="http://schemas.microsoft.com/office/powerpoint/2010/main" val="1133669746"/>
+      </p:ext>
+    </p:extLst>
+  </p:cSld>
+  <p:clrMapOvr>
+    <a:masterClrMapping/>
+  </p:clrMapOvr>
+  <p:transition>
+    <p:zoom/>
+  </p:transition>
+</p:sld>
+</file>
+
+<file path=ppt/slides/slide14.xml><?xml version="1.0" encoding="utf-8"?>
+<p:sld xmlns:a="http://schemas.openxmlformats.org/drawingml/2006/main" xmlns:r="http://schemas.openxmlformats.org/officeDocument/2006/relationships" xmlns:p="http://schemas.openxmlformats.org/presentationml/2006/main">
+  <p:cSld>
+    <p:spTree>
+      <p:nvGrpSpPr>
+        <p:cNvPr id="1" name=""/>
+        <p:cNvGrpSpPr/>
+        <p:nvPr/>
+      </p:nvGrpSpPr>
+      <p:grpSpPr>
+        <a:xfrm>
+          <a:off x="0" y="0"/>
+          <a:ext cx="0" cy="0"/>
+          <a:chOff x="0" y="0"/>
+          <a:chExt cx="0" cy="0"/>
+        </a:xfrm>
+      </p:grpSpPr>
+      <p:sp>
+        <p:nvSpPr>
+          <p:cNvPr id="3" name="Title 2">
+            <a:extLst>
+              <a:ext uri="{FF2B5EF4-FFF2-40B4-BE49-F238E27FC236}">
+                <a16:creationId xmlns:a16="http://schemas.microsoft.com/office/drawing/2014/main" id="{D7DF3965-E67F-4B5B-99DF-0DD72218E4F1}"/>
+              </a:ext>
+            </a:extLst>
+          </p:cNvPr>
+          <p:cNvSpPr>
+            <a:spLocks noGrp="1"/>
+          </p:cNvSpPr>
+          <p:nvPr>
+            <p:ph type="title"/>
+          </p:nvPr>
+        </p:nvSpPr>
+        <p:spPr/>
+        <p:txBody>
+          <a:bodyPr/>
+          <a:lstStyle/>
+          <a:p>
+            <a:r>
+              <a:rPr lang="en-US" dirty="0"/>
+              <a:t>How to assign tickets?</a:t>
+            </a:r>
+            <a:endParaRPr lang="en-PH" dirty="0"/>
+          </a:p>
+        </p:txBody>
+      </p:sp>
+      <p:sp>
+        <p:nvSpPr>
+          <p:cNvPr id="4" name="Content Placeholder 3">
+            <a:extLst>
+              <a:ext uri="{FF2B5EF4-FFF2-40B4-BE49-F238E27FC236}">
+                <a16:creationId xmlns:a16="http://schemas.microsoft.com/office/drawing/2014/main" id="{C60DC116-D201-4F53-B861-ED4A81549B67}"/>
+              </a:ext>
+            </a:extLst>
+          </p:cNvPr>
+          <p:cNvSpPr>
+            <a:spLocks noGrp="1"/>
+          </p:cNvSpPr>
+          <p:nvPr>
+            <p:ph idx="1"/>
+          </p:nvPr>
+        </p:nvSpPr>
+        <p:spPr/>
+        <p:txBody>
+          <a:bodyPr/>
+          <a:lstStyle/>
+          <a:p>
+            <a:r>
+              <a:rPr lang="en-US" dirty="0"/>
+              <a:t>One approach is to assumes that users know best, thus let them assign tickets</a:t>
+            </a:r>
+          </a:p>
+          <a:p>
+            <a:r>
+              <a:rPr lang="en-US" dirty="0"/>
+              <a:t>Still an open problem though</a:t>
+            </a:r>
+            <a:endParaRPr lang="en-PH" dirty="0"/>
+          </a:p>
+        </p:txBody>
+      </p:sp>
+    </p:spTree>
+    <p:extLst>
+      <p:ext uri="{BB962C8B-B14F-4D97-AF65-F5344CB8AC3E}">
+        <p14:creationId xmlns:p14="http://schemas.microsoft.com/office/powerpoint/2010/main" val="3897805285"/>
+      </p:ext>
+    </p:extLst>
+  </p:cSld>
+  <p:clrMapOvr>
+    <a:masterClrMapping/>
+  </p:clrMapOvr>
+  <p:transition>
+    <p:zoom/>
+  </p:transition>
+</p:sld>
+</file>
+
+<file path=ppt/slides/slide15.xml><?xml version="1.0" encoding="utf-8"?>
+<p:sld xmlns:a="http://schemas.openxmlformats.org/drawingml/2006/main" xmlns:r="http://schemas.openxmlformats.org/officeDocument/2006/relationships" xmlns:p="http://schemas.openxmlformats.org/presentationml/2006/main">
+  <p:cSld>
+    <p:spTree>
+      <p:nvGrpSpPr>
+        <p:cNvPr id="1" name=""/>
+        <p:cNvGrpSpPr/>
+        <p:nvPr/>
+      </p:nvGrpSpPr>
+      <p:grpSpPr>
+        <a:xfrm>
+          <a:off x="0" y="0"/>
+          <a:ext cx="0" cy="0"/>
+          <a:chOff x="0" y="0"/>
+          <a:chExt cx="0" cy="0"/>
+        </a:xfrm>
+      </p:grpSpPr>
+      <p:sp>
+        <p:nvSpPr>
+          <p:cNvPr id="2" name="제목 1"/>
+          <p:cNvSpPr>
+            <a:spLocks noGrp="1"/>
+          </p:cNvSpPr>
+          <p:nvPr>
+            <p:ph type="title"/>
+          </p:nvPr>
+        </p:nvSpPr>
+        <p:spPr/>
+        <p:txBody>
+          <a:bodyPr/>
+          <a:lstStyle/>
+          <a:p>
+            <a:r>
+              <a:rPr lang="en-US" altLang="ko-KR" dirty="0"/>
+              <a:t>Stride Scheduling</a:t>
+            </a:r>
+            <a:endParaRPr lang="ko-KR" altLang="en-US" dirty="0"/>
+          </a:p>
+        </p:txBody>
+      </p:sp>
+      <p:sp>
+        <p:nvSpPr>
+          <p:cNvPr id="3" name="내용 개체 틀 2"/>
+          <p:cNvSpPr>
+            <a:spLocks noGrp="1"/>
+          </p:cNvSpPr>
+          <p:nvPr>
+            <p:ph idx="1"/>
+          </p:nvPr>
+        </p:nvSpPr>
+        <p:spPr/>
+        <p:txBody>
+          <a:bodyPr/>
+          <a:lstStyle/>
+          <a:p>
+            <a:r>
+              <a:rPr lang="en-US" altLang="ko-KR" dirty="0"/>
+              <a:t>Randomness occasionally will not deliver good results especially for processes with short run times</a:t>
+            </a:r>
+          </a:p>
+          <a:p>
+            <a:r>
+              <a:rPr lang="en-US" altLang="ko-KR" dirty="0"/>
+              <a:t>A deterministic fair-share scheduler invented by </a:t>
+            </a:r>
+            <a:r>
+              <a:rPr lang="en-US" altLang="ko-KR" dirty="0" err="1"/>
+              <a:t>Waldspurger</a:t>
+            </a:r>
+            <a:endParaRPr lang="en-US" altLang="ko-KR" dirty="0"/>
+          </a:p>
+          <a:p>
+            <a:r>
               <a:rPr lang="en-US" altLang="ko-KR" dirty="0">
                 <a:solidFill>
                   <a:schemeClr val="accent6">
@@ -3530,21 +3938,21 @@
             </a:r>
             <a:r>
               <a:rPr lang="en-US" altLang="ko-KR" dirty="0"/>
-              <a:t> of each process</a:t>
+              <a:t> of each process - </a:t>
             </a:r>
           </a:p>
           <a:p>
             <a:pPr lvl="1"/>
             <a:r>
               <a:rPr lang="en-US" altLang="ko-KR" dirty="0"/>
-              <a:t>(A large number) / (the number of tickets of the process)</a:t>
+              <a:t>(Some large number) / (the number of tickets of the process)</a:t>
             </a:r>
           </a:p>
           <a:p>
             <a:pPr lvl="1"/>
             <a:r>
               <a:rPr lang="en-US" altLang="ko-KR" dirty="0"/>
-              <a:t>Example: A large number = 10,000</a:t>
+              <a:t>Example(in the previous discussion): Some large number say 10000</a:t>
             </a:r>
           </a:p>
           <a:p>
@@ -3557,7 +3965,7 @@
               <a:rPr lang="en-US" altLang="ko-KR" dirty="0">
                 <a:sym typeface="Wingdings" pitchFamily="2" charset="2"/>
               </a:rPr>
-              <a:t> stride of A is 100</a:t>
+              <a:t> stride of A is (10000/100)=100</a:t>
             </a:r>
           </a:p>
           <a:p>
@@ -3566,17 +3974,33 @@
               <a:rPr lang="en-US" altLang="ko-KR" dirty="0">
                 <a:sym typeface="Wingdings" pitchFamily="2" charset="2"/>
               </a:rPr>
-              <a:t>Process B has 50 tickets  stride of B is 200</a:t>
+              <a:t>Process B has 50 tickets  stride of B is (10000/50)=200</a:t>
             </a:r>
             <a:endParaRPr lang="en-US" altLang="ko-KR" dirty="0"/>
           </a:p>
           <a:p>
-            <a:endParaRPr lang="en-US" altLang="ko-KR" dirty="0"/>
-          </a:p>
-          <a:p>
             <a:r>
               <a:rPr lang="en-US" altLang="ko-KR" dirty="0"/>
-              <a:t>A process runs, increment a counter(=pass value) for it by its stride.</a:t>
+              <a:t>When a process runs, increment a </a:t>
+            </a:r>
+            <a:r>
+              <a:rPr lang="en-US" altLang="ko-KR" dirty="0">
+                <a:latin typeface="Courier New" panose="02070309020205020404" pitchFamily="49" charset="0"/>
+                <a:cs typeface="Courier New" panose="02070309020205020404" pitchFamily="49" charset="0"/>
+              </a:rPr>
+              <a:t>counter</a:t>
+            </a:r>
+            <a:r>
+              <a:rPr lang="en-US" altLang="ko-KR" dirty="0"/>
+              <a:t>(aka </a:t>
+            </a:r>
+            <a:r>
+              <a:rPr lang="en-US" altLang="ko-KR" b="1" u="sng" dirty="0"/>
+              <a:t>Pass</a:t>
+            </a:r>
+            <a:r>
+              <a:rPr lang="en-US" altLang="ko-KR" dirty="0"/>
+              <a:t> value) for it by its stride.</a:t>
             </a:r>
           </a:p>
           <a:p>
@@ -3586,7 +4010,7 @@
               <a:t>Pick the process to run that has </a:t>
             </a:r>
             <a:r>
-              <a:rPr lang="en-US" altLang="ko-KR" dirty="0">
+              <a:rPr lang="en-US" altLang="ko-KR" u="sng" dirty="0">
                 <a:solidFill>
                   <a:schemeClr val="accent6">
                     <a:lumMod val="75000"/>
@@ -3606,7 +4030,7 @@
         </p:nvSpPr>
         <p:spPr>
           <a:xfrm>
-            <a:off x="2135560" y="5190292"/>
+            <a:off x="2135560" y="5301208"/>
             <a:ext cx="7992888" cy="830997"/>
           </a:xfrm>
           <a:prstGeom prst="rect">
@@ -3863,7 +4287,7 @@
         </p:nvSpPr>
         <p:spPr>
           <a:xfrm>
-            <a:off x="4583832" y="6021289"/>
+            <a:off x="4583832" y="6132205"/>
             <a:ext cx="3096344" cy="307777"/>
           </a:xfrm>
           <a:prstGeom prst="rect">
@@ -3886,15 +4310,8 @@
                 <a:latin typeface="맑은 고딕" pitchFamily="50" charset="-127"/>
                 <a:ea typeface="맑은 고딕" pitchFamily="50" charset="-127"/>
               </a:rPr>
-              <a:t>A pseudo code implementation</a:t>
-            </a:r>
-            <a:endParaRPr lang="ko-KR" altLang="en-US" sz="1400" b="1" dirty="0">
-              <a:solidFill>
-                <a:prstClr val="black"/>
-              </a:solidFill>
-              <a:latin typeface="맑은 고딕" pitchFamily="50" charset="-127"/>
-              <a:ea typeface="맑은 고딕" pitchFamily="50" charset="-127"/>
-            </a:endParaRPr>
+              <a:t>Pseudocode for Stride Scheduling</a:t>
+            </a:r>
           </a:p>
         </p:txBody>
       </p:sp>
@@ -3914,7 +4331,7 @@
 </p:sld>
 </file>
 
-<file path=ppt/slides/slide14.xml><?xml version="1.0" encoding="utf-8"?>
+<file path=ppt/slides/slide16.xml><?xml version="1.0" encoding="utf-8"?>
 <p:sld xmlns:a="http://schemas.openxmlformats.org/drawingml/2006/main" xmlns:r="http://schemas.openxmlformats.org/officeDocument/2006/relationships" xmlns:p="http://schemas.openxmlformats.org/presentationml/2006/main">
   <p:cSld>
     <p:spTree>
@@ -4872,8 +5289,8 @@
         </p:nvSpPr>
         <p:spPr>
           <a:xfrm>
-            <a:off x="3575720" y="5301208"/>
-            <a:ext cx="5112568" cy="792088"/>
+            <a:off x="3575720" y="5301207"/>
+            <a:ext cx="5112568" cy="1440159"/>
           </a:xfrm>
           <a:prstGeom prst="roundRect">
             <a:avLst>
@@ -4967,6 +5384,31 @@
               </a:rPr>
               <a:t> the CPU!</a:t>
             </a:r>
+          </a:p>
+          <a:p>
+            <a:pPr algn="ctr"/>
+            <a:endParaRPr lang="en-US" altLang="ko-KR" sz="1600" b="1" dirty="0">
+              <a:solidFill>
+                <a:prstClr val="black"/>
+              </a:solidFill>
+              <a:latin typeface="맑은 고딕" panose="020B0503020000020004" pitchFamily="50" charset="-127"/>
+              <a:ea typeface="맑은 고딕" panose="020B0503020000020004" pitchFamily="50" charset="-127"/>
+              <a:sym typeface="Wingdings" pitchFamily="2" charset="2"/>
+            </a:endParaRPr>
+          </a:p>
+          <a:p>
+            <a:pPr algn="ctr"/>
+            <a:r>
+              <a:rPr lang="en-US" altLang="ko-KR" sz="1600" b="1" dirty="0">
+                <a:solidFill>
+                  <a:prstClr val="black"/>
+                </a:solidFill>
+                <a:latin typeface="맑은 고딕" panose="020B0503020000020004" pitchFamily="50" charset="-127"/>
+                <a:ea typeface="맑은 고딕" panose="020B0503020000020004" pitchFamily="50" charset="-127"/>
+                <a:sym typeface="Wingdings" pitchFamily="2" charset="2"/>
+              </a:rPr>
+              <a:t>Lottery is still better since there is no global state per process.</a:t>
+            </a:r>
             <a:endParaRPr lang="en-US" altLang="ko-KR" sz="1600" b="1" dirty="0">
               <a:solidFill>
                 <a:prstClr val="black"/>
@@ -4977,10 +5419,757 @@
           </a:p>
         </p:txBody>
       </p:sp>
+      <mc:AlternateContent xmlns:mc="http://schemas.openxmlformats.org/markup-compatibility/2006" xmlns:p14="http://schemas.microsoft.com/office/powerpoint/2010/main">
+        <mc:Choice Requires="p14">
+          <p:contentPart p14:bwMode="auto" r:id="rId2">
+            <p14:nvContentPartPr>
+              <p14:cNvPr id="9" name="Ink 8">
+                <a:extLst>
+                  <a:ext uri="{FF2B5EF4-FFF2-40B4-BE49-F238E27FC236}">
+                    <a16:creationId xmlns:a16="http://schemas.microsoft.com/office/drawing/2014/main" id="{97E441A8-6650-4397-861F-57227928C459}"/>
+                  </a:ext>
+                </a:extLst>
+              </p14:cNvPr>
+              <p14:cNvContentPartPr/>
+              <p14:nvPr/>
+            </p14:nvContentPartPr>
+            <p14:xfrm>
+              <a:off x="9148710" y="2373427"/>
+              <a:ext cx="3600" cy="360"/>
+            </p14:xfrm>
+          </p:contentPart>
+        </mc:Choice>
+        <mc:Fallback xmlns="">
+          <p:pic>
+            <p:nvPicPr>
+              <p:cNvPr id="9" name="Ink 8">
+                <a:extLst>
+                  <a:ext uri="{FF2B5EF4-FFF2-40B4-BE49-F238E27FC236}">
+                    <a16:creationId xmlns:a16="http://schemas.microsoft.com/office/drawing/2014/main" id="{97E441A8-6650-4397-861F-57227928C459}"/>
+                  </a:ext>
+                </a:extLst>
+              </p:cNvPr>
+              <p:cNvPicPr/>
+              <p:nvPr/>
+            </p:nvPicPr>
+            <p:blipFill>
+              <a:blip r:embed="rId3"/>
+              <a:stretch>
+                <a:fillRect/>
+              </a:stretch>
+            </p:blipFill>
+            <p:spPr>
+              <a:xfrm>
+                <a:off x="9140070" y="2364787"/>
+                <a:ext cx="21240" cy="18000"/>
+              </a:xfrm>
+              <a:prstGeom prst="rect">
+                <a:avLst/>
+              </a:prstGeom>
+            </p:spPr>
+          </p:pic>
+        </mc:Fallback>
+      </mc:AlternateContent>
+      <mc:AlternateContent xmlns:mc="http://schemas.openxmlformats.org/markup-compatibility/2006" xmlns:p14="http://schemas.microsoft.com/office/powerpoint/2010/main">
+        <mc:Choice Requires="p14">
+          <p:contentPart p14:bwMode="auto" r:id="rId4">
+            <p14:nvContentPartPr>
+              <p14:cNvPr id="6" name="Ink 5">
+                <a:extLst>
+                  <a:ext uri="{FF2B5EF4-FFF2-40B4-BE49-F238E27FC236}">
+                    <a16:creationId xmlns:a16="http://schemas.microsoft.com/office/drawing/2014/main" id="{A6E1247B-399E-4E99-AA98-1FF19DE01467}"/>
+                  </a:ext>
+                </a:extLst>
+              </p14:cNvPr>
+              <p14:cNvContentPartPr/>
+              <p14:nvPr/>
+            </p14:nvContentPartPr>
+            <p14:xfrm>
+              <a:off x="9277950" y="2449387"/>
+              <a:ext cx="360" cy="360"/>
+            </p14:xfrm>
+          </p:contentPart>
+        </mc:Choice>
+        <mc:Fallback xmlns="">
+          <p:pic>
+            <p:nvPicPr>
+              <p:cNvPr id="6" name="Ink 5">
+                <a:extLst>
+                  <a:ext uri="{FF2B5EF4-FFF2-40B4-BE49-F238E27FC236}">
+                    <a16:creationId xmlns:a16="http://schemas.microsoft.com/office/drawing/2014/main" id="{A6E1247B-399E-4E99-AA98-1FF19DE01467}"/>
+                  </a:ext>
+                </a:extLst>
+              </p:cNvPr>
+              <p:cNvPicPr/>
+              <p:nvPr/>
+            </p:nvPicPr>
+            <p:blipFill>
+              <a:blip r:embed="rId3"/>
+              <a:stretch>
+                <a:fillRect/>
+              </a:stretch>
+            </p:blipFill>
+            <p:spPr>
+              <a:xfrm>
+                <a:off x="9269310" y="2440387"/>
+                <a:ext cx="18000" cy="18000"/>
+              </a:xfrm>
+              <a:prstGeom prst="rect">
+                <a:avLst/>
+              </a:prstGeom>
+            </p:spPr>
+          </p:pic>
+        </mc:Fallback>
+      </mc:AlternateContent>
+      <p:cxnSp>
+        <p:nvCxnSpPr>
+          <p:cNvPr id="22" name="Straight Arrow Connector 21">
+            <a:extLst>
+              <a:ext uri="{FF2B5EF4-FFF2-40B4-BE49-F238E27FC236}">
+                <a16:creationId xmlns:a16="http://schemas.microsoft.com/office/drawing/2014/main" id="{F9D01ADB-205D-42B6-9C29-D1EAE1A38BBB}"/>
+              </a:ext>
+            </a:extLst>
+          </p:cNvPr>
+          <p:cNvCxnSpPr/>
+          <p:nvPr/>
+        </p:nvCxnSpPr>
+        <p:spPr>
+          <a:xfrm flipH="1">
+            <a:off x="8688288" y="2373427"/>
+            <a:ext cx="1368152" cy="0"/>
+          </a:xfrm>
+          <a:prstGeom prst="straightConnector1">
+            <a:avLst/>
+          </a:prstGeom>
+          <a:ln w="12700">
+            <a:solidFill>
+              <a:schemeClr val="tx1"/>
+            </a:solidFill>
+            <a:tailEnd type="triangle"/>
+          </a:ln>
+        </p:spPr>
+        <p:style>
+          <a:lnRef idx="1">
+            <a:schemeClr val="accent1"/>
+          </a:lnRef>
+          <a:fillRef idx="0">
+            <a:schemeClr val="accent1"/>
+          </a:fillRef>
+          <a:effectRef idx="0">
+            <a:schemeClr val="accent1"/>
+          </a:effectRef>
+          <a:fontRef idx="minor">
+            <a:schemeClr val="tx1"/>
+          </a:fontRef>
+        </p:style>
+      </p:cxnSp>
+      <p:sp>
+        <p:nvSpPr>
+          <p:cNvPr id="23" name="TextBox 22">
+            <a:extLst>
+              <a:ext uri="{FF2B5EF4-FFF2-40B4-BE49-F238E27FC236}">
+                <a16:creationId xmlns:a16="http://schemas.microsoft.com/office/drawing/2014/main" id="{A1AC3465-3115-4A44-AAA7-6F0DDA47081D}"/>
+              </a:ext>
+            </a:extLst>
+          </p:cNvPr>
+          <p:cNvSpPr txBox="1"/>
+          <p:nvPr/>
+        </p:nvSpPr>
+        <p:spPr>
+          <a:xfrm>
+            <a:off x="10161642" y="1987722"/>
+            <a:ext cx="1691398" cy="1200329"/>
+          </a:xfrm>
+          <a:prstGeom prst="rect">
+            <a:avLst/>
+          </a:prstGeom>
+          <a:noFill/>
+        </p:spPr>
+        <p:txBody>
+          <a:bodyPr wrap="square" rtlCol="0">
+            <a:spAutoFit/>
+          </a:bodyPr>
+          <a:lstStyle/>
+          <a:p>
+            <a:r>
+              <a:rPr lang="en-US" dirty="0">
+                <a:latin typeface="Oswald" pitchFamily="2" charset="0"/>
+              </a:rPr>
+              <a:t>Arbitrarily     chose</a:t>
+            </a:r>
+            <a:r>
+              <a:rPr lang="en-PH" dirty="0">
+                <a:latin typeface="Oswald" pitchFamily="2" charset="0"/>
+              </a:rPr>
+              <a:t>n at the start since all Passes are 0 initially</a:t>
+            </a:r>
+            <a:endParaRPr lang="en-US" dirty="0">
+              <a:latin typeface="Oswald" pitchFamily="2" charset="0"/>
+            </a:endParaRPr>
+          </a:p>
+        </p:txBody>
+      </p:sp>
     </p:spTree>
     <p:extLst>
       <p:ext uri="{BB962C8B-B14F-4D97-AF65-F5344CB8AC3E}">
         <p14:creationId xmlns:p14="http://schemas.microsoft.com/office/powerpoint/2010/main" val="3401157921"/>
+      </p:ext>
+    </p:extLst>
+  </p:cSld>
+  <p:clrMapOvr>
+    <a:masterClrMapping/>
+  </p:clrMapOvr>
+  <p:transition>
+    <p:zoom/>
+  </p:transition>
+</p:sld>
+</file>
+
+<file path=ppt/slides/slide17.xml><?xml version="1.0" encoding="utf-8"?>
+<p:sld xmlns:a="http://schemas.openxmlformats.org/drawingml/2006/main" xmlns:r="http://schemas.openxmlformats.org/officeDocument/2006/relationships" xmlns:p="http://schemas.openxmlformats.org/presentationml/2006/main">
+  <p:cSld>
+    <p:spTree>
+      <p:nvGrpSpPr>
+        <p:cNvPr id="1" name=""/>
+        <p:cNvGrpSpPr/>
+        <p:nvPr/>
+      </p:nvGrpSpPr>
+      <p:grpSpPr>
+        <a:xfrm>
+          <a:off x="0" y="0"/>
+          <a:ext cx="0" cy="0"/>
+          <a:chOff x="0" y="0"/>
+          <a:chExt cx="0" cy="0"/>
+        </a:xfrm>
+      </p:grpSpPr>
+      <p:sp>
+        <p:nvSpPr>
+          <p:cNvPr id="3" name="Title 2">
+            <a:extLst>
+              <a:ext uri="{FF2B5EF4-FFF2-40B4-BE49-F238E27FC236}">
+                <a16:creationId xmlns:a16="http://schemas.microsoft.com/office/drawing/2014/main" id="{B6474AA0-537E-4AF6-863B-6978A1E9723A}"/>
+              </a:ext>
+            </a:extLst>
+          </p:cNvPr>
+          <p:cNvSpPr>
+            <a:spLocks noGrp="1"/>
+          </p:cNvSpPr>
+          <p:nvPr>
+            <p:ph type="title"/>
+          </p:nvPr>
+        </p:nvSpPr>
+        <p:spPr/>
+        <p:txBody>
+          <a:bodyPr/>
+          <a:lstStyle/>
+          <a:p>
+            <a:r>
+              <a:rPr lang="en-US" dirty="0"/>
+              <a:t>Linux Completely Fair Scheduler (CFS)</a:t>
+            </a:r>
+            <a:endParaRPr lang="en-PH" dirty="0"/>
+          </a:p>
+        </p:txBody>
+      </p:sp>
+      <p:sp>
+        <p:nvSpPr>
+          <p:cNvPr id="4" name="Content Placeholder 3">
+            <a:extLst>
+              <a:ext uri="{FF2B5EF4-FFF2-40B4-BE49-F238E27FC236}">
+                <a16:creationId xmlns:a16="http://schemas.microsoft.com/office/drawing/2014/main" id="{E0EF0BDB-06ED-4008-A689-754394A2989F}"/>
+              </a:ext>
+            </a:extLst>
+          </p:cNvPr>
+          <p:cNvSpPr>
+            <a:spLocks noGrp="1"/>
+          </p:cNvSpPr>
+          <p:nvPr>
+            <p:ph idx="1"/>
+          </p:nvPr>
+        </p:nvSpPr>
+        <p:spPr/>
+        <p:txBody>
+          <a:bodyPr/>
+          <a:lstStyle/>
+          <a:p>
+            <a:r>
+              <a:rPr lang="en-US" dirty="0"/>
+              <a:t>Goal: Fairly divide a CPU evenly among all competing processes </a:t>
+            </a:r>
+          </a:p>
+          <a:p>
+            <a:r>
+              <a:rPr lang="en-US" dirty="0"/>
+              <a:t>Uses a counting-based technique called </a:t>
+            </a:r>
+            <a:r>
+              <a:rPr lang="en-US" b="1" dirty="0"/>
+              <a:t>virtual runtime (</a:t>
+            </a:r>
+            <a:r>
+              <a:rPr lang="en-US" b="1" dirty="0" err="1"/>
+              <a:t>vruntime</a:t>
+            </a:r>
+            <a:r>
+              <a:rPr lang="en-US" b="1" dirty="0"/>
+              <a:t>)</a:t>
+            </a:r>
+          </a:p>
+          <a:p>
+            <a:r>
+              <a:rPr lang="en-US" dirty="0"/>
+              <a:t>As a process runs, its </a:t>
+            </a:r>
+            <a:r>
+              <a:rPr lang="en-US" dirty="0" err="1"/>
+              <a:t>vruntime</a:t>
+            </a:r>
+            <a:r>
+              <a:rPr lang="en-US" dirty="0"/>
+              <a:t> increases (may increase at the same rate as physical time)</a:t>
+            </a:r>
+          </a:p>
+          <a:p>
+            <a:r>
+              <a:rPr lang="en-US" dirty="0"/>
+              <a:t>When scheduling decision time occurs, pick the process with the </a:t>
+            </a:r>
+            <a:r>
+              <a:rPr lang="en-US" i="1" u="sng" dirty="0"/>
+              <a:t>lowest </a:t>
+            </a:r>
+            <a:r>
+              <a:rPr lang="en-US" i="1" u="sng" dirty="0" err="1"/>
+              <a:t>vruntime</a:t>
+            </a:r>
+            <a:r>
+              <a:rPr lang="en-US" i="1" u="sng" dirty="0"/>
+              <a:t> </a:t>
+            </a:r>
+          </a:p>
+          <a:p>
+            <a:r>
+              <a:rPr lang="en-US" dirty="0"/>
+              <a:t>Uses a periodic timer interrupt – can only make decisions at fixed time intervals</a:t>
+            </a:r>
+          </a:p>
+          <a:p>
+            <a:pPr lvl="1"/>
+            <a:r>
+              <a:rPr lang="en-PH" dirty="0"/>
+              <a:t>Not affected if time slice is not a multiple of the interrupt timer interval time</a:t>
+            </a:r>
+          </a:p>
+        </p:txBody>
+      </p:sp>
+    </p:spTree>
+    <p:extLst>
+      <p:ext uri="{BB962C8B-B14F-4D97-AF65-F5344CB8AC3E}">
+        <p14:creationId xmlns:p14="http://schemas.microsoft.com/office/powerpoint/2010/main" val="3955578765"/>
+      </p:ext>
+    </p:extLst>
+  </p:cSld>
+  <p:clrMapOvr>
+    <a:masterClrMapping/>
+  </p:clrMapOvr>
+  <p:transition>
+    <p:zoom/>
+  </p:transition>
+</p:sld>
+</file>
+
+<file path=ppt/slides/slide18.xml><?xml version="1.0" encoding="utf-8"?>
+<p:sld xmlns:a="http://schemas.openxmlformats.org/drawingml/2006/main" xmlns:r="http://schemas.openxmlformats.org/officeDocument/2006/relationships" xmlns:p="http://schemas.openxmlformats.org/presentationml/2006/main">
+  <p:cSld>
+    <p:spTree>
+      <p:nvGrpSpPr>
+        <p:cNvPr id="1" name=""/>
+        <p:cNvGrpSpPr/>
+        <p:nvPr/>
+      </p:nvGrpSpPr>
+      <p:grpSpPr>
+        <a:xfrm>
+          <a:off x="0" y="0"/>
+          <a:ext cx="0" cy="0"/>
+          <a:chOff x="0" y="0"/>
+          <a:chExt cx="0" cy="0"/>
+        </a:xfrm>
+      </p:grpSpPr>
+      <p:sp>
+        <p:nvSpPr>
+          <p:cNvPr id="3" name="Title 2">
+            <a:extLst>
+              <a:ext uri="{FF2B5EF4-FFF2-40B4-BE49-F238E27FC236}">
+                <a16:creationId xmlns:a16="http://schemas.microsoft.com/office/drawing/2014/main" id="{B6474AA0-537E-4AF6-863B-6978A1E9723A}"/>
+              </a:ext>
+            </a:extLst>
+          </p:cNvPr>
+          <p:cNvSpPr>
+            <a:spLocks noGrp="1"/>
+          </p:cNvSpPr>
+          <p:nvPr>
+            <p:ph type="title"/>
+          </p:nvPr>
+        </p:nvSpPr>
+        <p:spPr/>
+        <p:txBody>
+          <a:bodyPr/>
+          <a:lstStyle/>
+          <a:p>
+            <a:r>
+              <a:rPr lang="en-US" dirty="0"/>
+              <a:t>Linux Completely Fair Scheduler (CFS) (Cont.)</a:t>
+            </a:r>
+            <a:endParaRPr lang="en-PH" dirty="0"/>
+          </a:p>
+        </p:txBody>
+      </p:sp>
+      <p:sp>
+        <p:nvSpPr>
+          <p:cNvPr id="4" name="Content Placeholder 3">
+            <a:extLst>
+              <a:ext uri="{FF2B5EF4-FFF2-40B4-BE49-F238E27FC236}">
+                <a16:creationId xmlns:a16="http://schemas.microsoft.com/office/drawing/2014/main" id="{E0EF0BDB-06ED-4008-A689-754394A2989F}"/>
+              </a:ext>
+            </a:extLst>
+          </p:cNvPr>
+          <p:cNvSpPr>
+            <a:spLocks noGrp="1"/>
+          </p:cNvSpPr>
+          <p:nvPr>
+            <p:ph idx="1"/>
+          </p:nvPr>
+        </p:nvSpPr>
+        <p:spPr/>
+        <p:txBody>
+          <a:bodyPr/>
+          <a:lstStyle/>
+          <a:p>
+            <a:r>
+              <a:rPr lang="en-PH" dirty="0"/>
+              <a:t>Control parameters:</a:t>
+            </a:r>
+          </a:p>
+          <a:p>
+            <a:pPr lvl="1"/>
+            <a:r>
+              <a:rPr lang="en-PH" b="1" dirty="0" err="1"/>
+              <a:t>sched_latency</a:t>
+            </a:r>
+            <a:r>
+              <a:rPr lang="en-PH" b="1" dirty="0"/>
+              <a:t> </a:t>
+            </a:r>
+            <a:r>
+              <a:rPr lang="en-PH" dirty="0"/>
+              <a:t>– determines how long one process should run before considering a switch (typical values is 48ms)</a:t>
+            </a:r>
+          </a:p>
+          <a:p>
+            <a:pPr lvl="2"/>
+            <a:r>
+              <a:rPr lang="en-PH" dirty="0"/>
+              <a:t>time slice for a process = (</a:t>
+            </a:r>
+            <a:r>
+              <a:rPr lang="en-PH" dirty="0" err="1"/>
+              <a:t>sched_latency</a:t>
+            </a:r>
+            <a:r>
+              <a:rPr lang="en-PH" dirty="0"/>
+              <a:t> / n processes)</a:t>
+            </a:r>
+          </a:p>
+          <a:p>
+            <a:pPr lvl="2"/>
+            <a:r>
+              <a:rPr lang="en-PH" dirty="0"/>
+              <a:t>Example: Given n=4, time slice = 48/4 = 12ms</a:t>
+            </a:r>
+          </a:p>
+          <a:p>
+            <a:pPr lvl="1"/>
+            <a:r>
+              <a:rPr lang="en-PH" b="1" dirty="0" err="1"/>
+              <a:t>min_granularity</a:t>
+            </a:r>
+            <a:r>
+              <a:rPr lang="en-PH" dirty="0"/>
+              <a:t> – to address too many processes running (when n is very large, time slice becomes small)</a:t>
+            </a:r>
+          </a:p>
+          <a:p>
+            <a:pPr lvl="2"/>
+            <a:r>
+              <a:rPr lang="en-PH" dirty="0"/>
+              <a:t>Minimum time slice for a process despite a large n, typically set to 6ms</a:t>
+            </a:r>
+          </a:p>
+          <a:p>
+            <a:pPr lvl="1"/>
+            <a:endParaRPr lang="en-PH" dirty="0"/>
+          </a:p>
+          <a:p>
+            <a:pPr lvl="2"/>
+            <a:endParaRPr lang="en-PH" dirty="0"/>
+          </a:p>
+          <a:p>
+            <a:pPr lvl="1"/>
+            <a:endParaRPr lang="en-PH" b="1" dirty="0"/>
+          </a:p>
+        </p:txBody>
+      </p:sp>
+    </p:spTree>
+    <p:extLst>
+      <p:ext uri="{BB962C8B-B14F-4D97-AF65-F5344CB8AC3E}">
+        <p14:creationId xmlns:p14="http://schemas.microsoft.com/office/powerpoint/2010/main" val="1793357639"/>
+      </p:ext>
+    </p:extLst>
+  </p:cSld>
+  <p:clrMapOvr>
+    <a:masterClrMapping/>
+  </p:clrMapOvr>
+  <p:transition>
+    <p:zoom/>
+  </p:transition>
+</p:sld>
+</file>
+
+<file path=ppt/slides/slide19.xml><?xml version="1.0" encoding="utf-8"?>
+<p:sld xmlns:a="http://schemas.openxmlformats.org/drawingml/2006/main" xmlns:r="http://schemas.openxmlformats.org/officeDocument/2006/relationships" xmlns:p="http://schemas.openxmlformats.org/presentationml/2006/main">
+  <p:cSld>
+    <p:spTree>
+      <p:nvGrpSpPr>
+        <p:cNvPr id="1" name=""/>
+        <p:cNvGrpSpPr/>
+        <p:nvPr/>
+      </p:nvGrpSpPr>
+      <p:grpSpPr>
+        <a:xfrm>
+          <a:off x="0" y="0"/>
+          <a:ext cx="0" cy="0"/>
+          <a:chOff x="0" y="0"/>
+          <a:chExt cx="0" cy="0"/>
+        </a:xfrm>
+      </p:grpSpPr>
+      <p:sp>
+        <p:nvSpPr>
+          <p:cNvPr id="3" name="Title 2">
+            <a:extLst>
+              <a:ext uri="{FF2B5EF4-FFF2-40B4-BE49-F238E27FC236}">
+                <a16:creationId xmlns:a16="http://schemas.microsoft.com/office/drawing/2014/main" id="{B6474AA0-537E-4AF6-863B-6978A1E9723A}"/>
+              </a:ext>
+            </a:extLst>
+          </p:cNvPr>
+          <p:cNvSpPr>
+            <a:spLocks noGrp="1"/>
+          </p:cNvSpPr>
+          <p:nvPr>
+            <p:ph type="title"/>
+          </p:nvPr>
+        </p:nvSpPr>
+        <p:spPr/>
+        <p:txBody>
+          <a:bodyPr/>
+          <a:lstStyle/>
+          <a:p>
+            <a:r>
+              <a:rPr lang="en-US" dirty="0"/>
+              <a:t>Linux Completely Fair Scheduler (CFS) (Cont.)</a:t>
+            </a:r>
+            <a:endParaRPr lang="en-PH" dirty="0"/>
+          </a:p>
+        </p:txBody>
+      </p:sp>
+      <p:sp>
+        <p:nvSpPr>
+          <p:cNvPr id="4" name="Content Placeholder 3">
+            <a:extLst>
+              <a:ext uri="{FF2B5EF4-FFF2-40B4-BE49-F238E27FC236}">
+                <a16:creationId xmlns:a16="http://schemas.microsoft.com/office/drawing/2014/main" id="{E0EF0BDB-06ED-4008-A689-754394A2989F}"/>
+              </a:ext>
+            </a:extLst>
+          </p:cNvPr>
+          <p:cNvSpPr>
+            <a:spLocks noGrp="1"/>
+          </p:cNvSpPr>
+          <p:nvPr>
+            <p:ph idx="1"/>
+          </p:nvPr>
+        </p:nvSpPr>
+        <p:spPr/>
+        <p:txBody>
+          <a:bodyPr/>
+          <a:lstStyle/>
+          <a:p>
+            <a:r>
+              <a:rPr lang="en-PH" dirty="0"/>
+              <a:t>Weighting (</a:t>
+            </a:r>
+            <a:r>
+              <a:rPr lang="en-PH" b="1" dirty="0"/>
+              <a:t>Nice</a:t>
+            </a:r>
+            <a:r>
+              <a:rPr lang="en-PH" dirty="0"/>
+              <a:t>ness) – allows users/admins to control process priority (</a:t>
+            </a:r>
+            <a:r>
+              <a:rPr lang="en-PH" dirty="0">
+                <a:latin typeface="Courier New" panose="02070309020205020404" pitchFamily="49" charset="0"/>
+                <a:cs typeface="Courier New" panose="02070309020205020404" pitchFamily="49" charset="0"/>
+              </a:rPr>
+              <a:t>nice</a:t>
+            </a:r>
+            <a:r>
+              <a:rPr lang="en-PH" dirty="0"/>
+              <a:t> and </a:t>
+            </a:r>
+            <a:r>
+              <a:rPr lang="en-PH" dirty="0">
+                <a:latin typeface="Courier New" panose="02070309020205020404" pitchFamily="49" charset="0"/>
+                <a:cs typeface="Courier New" panose="02070309020205020404" pitchFamily="49" charset="0"/>
+              </a:rPr>
+              <a:t>renice</a:t>
+            </a:r>
+            <a:r>
+              <a:rPr lang="en-PH" dirty="0"/>
+              <a:t> programs)</a:t>
+            </a:r>
+          </a:p>
+          <a:p>
+            <a:pPr lvl="1"/>
+            <a:r>
+              <a:rPr lang="en-PH" dirty="0"/>
+              <a:t>Nice values range: [-20, +19],  </a:t>
+            </a:r>
+            <a:r>
+              <a:rPr lang="en-PH" u="sng" dirty="0"/>
+              <a:t>(+) means lower priority</a:t>
+            </a:r>
+            <a:r>
+              <a:rPr lang="en-PH" dirty="0"/>
+              <a:t>, </a:t>
+            </a:r>
+            <a:r>
+              <a:rPr lang="en-PH" u="sng" dirty="0"/>
+              <a:t>(-) means higher priority</a:t>
+            </a:r>
+          </a:p>
+          <a:p>
+            <a:pPr lvl="1"/>
+            <a:r>
+              <a:rPr lang="en-PH" dirty="0"/>
+              <a:t>Nice values maps to weights in table</a:t>
+            </a:r>
+          </a:p>
+          <a:p>
+            <a:pPr marL="457200" lvl="1" indent="0">
+              <a:buNone/>
+            </a:pPr>
+            <a:endParaRPr lang="en-PH" dirty="0"/>
+          </a:p>
+          <a:p>
+            <a:pPr lvl="1"/>
+            <a:endParaRPr lang="en-PH" dirty="0"/>
+          </a:p>
+          <a:p>
+            <a:pPr lvl="1"/>
+            <a:endParaRPr lang="en-PH" dirty="0"/>
+          </a:p>
+          <a:p>
+            <a:pPr lvl="1"/>
+            <a:endParaRPr lang="en-PH" dirty="0"/>
+          </a:p>
+          <a:p>
+            <a:pPr lvl="1"/>
+            <a:endParaRPr lang="en-PH" dirty="0"/>
+          </a:p>
+          <a:p>
+            <a:pPr lvl="1"/>
+            <a:endParaRPr lang="en-PH" dirty="0"/>
+          </a:p>
+          <a:p>
+            <a:pPr lvl="1"/>
+            <a:r>
+              <a:rPr lang="en-PH" dirty="0"/>
+              <a:t>Effective Time Slice</a:t>
+            </a:r>
+          </a:p>
+          <a:p>
+            <a:pPr lvl="2"/>
+            <a:endParaRPr lang="en-PH" dirty="0"/>
+          </a:p>
+          <a:p>
+            <a:pPr lvl="1"/>
+            <a:endParaRPr lang="en-PH" b="1" dirty="0"/>
+          </a:p>
+        </p:txBody>
+      </p:sp>
+      <p:pic>
+        <p:nvPicPr>
+          <p:cNvPr id="5" name="Picture 4">
+            <a:extLst>
+              <a:ext uri="{FF2B5EF4-FFF2-40B4-BE49-F238E27FC236}">
+                <a16:creationId xmlns:a16="http://schemas.microsoft.com/office/drawing/2014/main" id="{1B183334-4C2D-43FE-B391-F2A733EB876C}"/>
+              </a:ext>
+            </a:extLst>
+          </p:cNvPr>
+          <p:cNvPicPr>
+            <a:picLocks noChangeAspect="1"/>
+          </p:cNvPicPr>
+          <p:nvPr/>
+        </p:nvPicPr>
+        <p:blipFill>
+          <a:blip r:embed="rId2"/>
+          <a:stretch>
+            <a:fillRect/>
+          </a:stretch>
+        </p:blipFill>
+        <p:spPr>
+          <a:xfrm>
+            <a:off x="3047076" y="2420888"/>
+            <a:ext cx="6097847" cy="2395583"/>
+          </a:xfrm>
+          <a:prstGeom prst="rect">
+            <a:avLst/>
+          </a:prstGeom>
+        </p:spPr>
+      </p:pic>
+      <p:pic>
+        <p:nvPicPr>
+          <p:cNvPr id="7" name="Picture 6">
+            <a:extLst>
+              <a:ext uri="{FF2B5EF4-FFF2-40B4-BE49-F238E27FC236}">
+                <a16:creationId xmlns:a16="http://schemas.microsoft.com/office/drawing/2014/main" id="{D2B0211D-E5D9-4B75-9D3D-384446E2077F}"/>
+              </a:ext>
+            </a:extLst>
+          </p:cNvPr>
+          <p:cNvPicPr>
+            <a:picLocks noChangeAspect="1"/>
+          </p:cNvPicPr>
+          <p:nvPr/>
+        </p:nvPicPr>
+        <p:blipFill>
+          <a:blip r:embed="rId3"/>
+          <a:stretch>
+            <a:fillRect/>
+          </a:stretch>
+        </p:blipFill>
+        <p:spPr>
+          <a:xfrm>
+            <a:off x="3019425" y="5477867"/>
+            <a:ext cx="6248400" cy="1000125"/>
+          </a:xfrm>
+          <a:prstGeom prst="rect">
+            <a:avLst/>
+          </a:prstGeom>
+        </p:spPr>
+      </p:pic>
+    </p:spTree>
+    <p:extLst>
+      <p:ext uri="{BB962C8B-B14F-4D97-AF65-F5344CB8AC3E}">
+        <p14:creationId xmlns:p14="http://schemas.microsoft.com/office/powerpoint/2010/main" val="4240165989"/>
       </p:ext>
     </p:extLst>
   </p:cSld>
@@ -5168,6 +6357,884 @@
 </p:sld>
 </file>
 
+<file path=ppt/slides/slide20.xml><?xml version="1.0" encoding="utf-8"?>
+<p:sld xmlns:a="http://schemas.openxmlformats.org/drawingml/2006/main" xmlns:r="http://schemas.openxmlformats.org/officeDocument/2006/relationships" xmlns:p="http://schemas.openxmlformats.org/presentationml/2006/main">
+  <p:cSld>
+    <p:spTree>
+      <p:nvGrpSpPr>
+        <p:cNvPr id="1" name=""/>
+        <p:cNvGrpSpPr/>
+        <p:nvPr/>
+      </p:nvGrpSpPr>
+      <p:grpSpPr>
+        <a:xfrm>
+          <a:off x="0" y="0"/>
+          <a:ext cx="0" cy="0"/>
+          <a:chOff x="0" y="0"/>
+          <a:chExt cx="0" cy="0"/>
+        </a:xfrm>
+      </p:grpSpPr>
+      <p:sp>
+        <p:nvSpPr>
+          <p:cNvPr id="3" name="Title 2">
+            <a:extLst>
+              <a:ext uri="{FF2B5EF4-FFF2-40B4-BE49-F238E27FC236}">
+                <a16:creationId xmlns:a16="http://schemas.microsoft.com/office/drawing/2014/main" id="{B6474AA0-537E-4AF6-863B-6978A1E9723A}"/>
+              </a:ext>
+            </a:extLst>
+          </p:cNvPr>
+          <p:cNvSpPr>
+            <a:spLocks noGrp="1"/>
+          </p:cNvSpPr>
+          <p:nvPr>
+            <p:ph type="title"/>
+          </p:nvPr>
+        </p:nvSpPr>
+        <p:spPr/>
+        <p:txBody>
+          <a:bodyPr/>
+          <a:lstStyle/>
+          <a:p>
+            <a:r>
+              <a:rPr lang="en-US" dirty="0"/>
+              <a:t>Linux Completely Fair Scheduler (CFS) (Cont.)</a:t>
+            </a:r>
+            <a:endParaRPr lang="en-PH" dirty="0"/>
+          </a:p>
+        </p:txBody>
+      </p:sp>
+      <p:sp>
+        <p:nvSpPr>
+          <p:cNvPr id="4" name="Content Placeholder 3">
+            <a:extLst>
+              <a:ext uri="{FF2B5EF4-FFF2-40B4-BE49-F238E27FC236}">
+                <a16:creationId xmlns:a16="http://schemas.microsoft.com/office/drawing/2014/main" id="{E0EF0BDB-06ED-4008-A689-754394A2989F}"/>
+              </a:ext>
+            </a:extLst>
+          </p:cNvPr>
+          <p:cNvSpPr>
+            <a:spLocks noGrp="1"/>
+          </p:cNvSpPr>
+          <p:nvPr>
+            <p:ph idx="1"/>
+          </p:nvPr>
+        </p:nvSpPr>
+        <p:spPr/>
+        <p:txBody>
+          <a:bodyPr/>
+          <a:lstStyle/>
+          <a:p>
+            <a:r>
+              <a:rPr lang="en-US" dirty="0" err="1"/>
+              <a:t>vruntime</a:t>
+            </a:r>
+            <a:r>
+              <a:rPr lang="en-US" dirty="0"/>
+              <a:t> adjustment</a:t>
+            </a:r>
+          </a:p>
+          <a:p>
+            <a:pPr lvl="1"/>
+            <a:endParaRPr lang="en-US" dirty="0"/>
+          </a:p>
+          <a:p>
+            <a:endParaRPr lang="en-US" dirty="0"/>
+          </a:p>
+          <a:p>
+            <a:r>
+              <a:rPr lang="en-US" dirty="0"/>
+              <a:t>Example:</a:t>
+            </a:r>
+          </a:p>
+          <a:p>
+            <a:pPr lvl="1"/>
+            <a:r>
+              <a:rPr lang="en-US" dirty="0"/>
+              <a:t>Scenario: Process A with nice value of -5, Process B with nice value of 0</a:t>
+            </a:r>
+          </a:p>
+          <a:p>
+            <a:pPr lvl="1"/>
+            <a:r>
+              <a:rPr lang="en-US" dirty="0"/>
+              <a:t>Time Slice</a:t>
+            </a:r>
+          </a:p>
+          <a:p>
+            <a:pPr lvl="2"/>
+            <a:r>
+              <a:rPr lang="en-US" dirty="0"/>
+              <a:t>From table weight(A) = 3121, </a:t>
+            </a:r>
+            <a:r>
+              <a:rPr lang="en-US" dirty="0" err="1"/>
+              <a:t>Time_Slice</a:t>
+            </a:r>
+            <a:r>
+              <a:rPr lang="en-US" dirty="0"/>
+              <a:t>(A) = (3121/4145)*48 = </a:t>
+            </a:r>
+            <a:r>
+              <a:rPr lang="en-US" b="1" dirty="0"/>
+              <a:t>36ms</a:t>
+            </a:r>
+          </a:p>
+          <a:p>
+            <a:pPr lvl="2"/>
+            <a:r>
+              <a:rPr lang="en-US" dirty="0"/>
+              <a:t>From table weight(B) = 1024, </a:t>
+            </a:r>
+            <a:r>
+              <a:rPr lang="en-US" dirty="0" err="1"/>
+              <a:t>Time_Slice</a:t>
+            </a:r>
+            <a:r>
+              <a:rPr lang="en-US" dirty="0"/>
+              <a:t>(B) = (1024/4145)*48 = </a:t>
+            </a:r>
+            <a:r>
+              <a:rPr lang="en-US" b="1" dirty="0"/>
+              <a:t>12ms</a:t>
+            </a:r>
+          </a:p>
+          <a:p>
+            <a:pPr lvl="1"/>
+            <a:r>
+              <a:rPr lang="en-US" dirty="0" err="1"/>
+              <a:t>vruntime</a:t>
+            </a:r>
+            <a:endParaRPr lang="en-US" dirty="0"/>
+          </a:p>
+          <a:p>
+            <a:pPr lvl="2"/>
+            <a:r>
+              <a:rPr lang="en-US" dirty="0" err="1"/>
+              <a:t>vruntime</a:t>
+            </a:r>
+            <a:r>
+              <a:rPr lang="en-US" dirty="0"/>
+              <a:t>(A) = </a:t>
+            </a:r>
+            <a:r>
+              <a:rPr lang="en-US" dirty="0" err="1"/>
+              <a:t>vruntime</a:t>
+            </a:r>
+            <a:r>
+              <a:rPr lang="en-US" dirty="0"/>
+              <a:t>(A) + (1024/3121)*</a:t>
+            </a:r>
+            <a:r>
+              <a:rPr lang="en-US" dirty="0" err="1"/>
+              <a:t>run_time</a:t>
+            </a:r>
+            <a:r>
+              <a:rPr lang="en-US" dirty="0"/>
+              <a:t>(A)</a:t>
+            </a:r>
+          </a:p>
+          <a:p>
+            <a:pPr lvl="2"/>
+            <a:r>
+              <a:rPr lang="en-US" dirty="0" err="1"/>
+              <a:t>vruntime</a:t>
+            </a:r>
+            <a:r>
+              <a:rPr lang="en-US" dirty="0"/>
+              <a:t>(B) = </a:t>
+            </a:r>
+            <a:r>
+              <a:rPr lang="en-US" dirty="0" err="1"/>
+              <a:t>vruntime</a:t>
+            </a:r>
+            <a:r>
+              <a:rPr lang="en-US" dirty="0"/>
+              <a:t>(A) + (1024/1024)*</a:t>
+            </a:r>
+            <a:r>
+              <a:rPr lang="en-US" dirty="0" err="1"/>
+              <a:t>run_time</a:t>
+            </a:r>
+            <a:r>
+              <a:rPr lang="en-US" dirty="0"/>
+              <a:t>(B) </a:t>
+            </a:r>
+          </a:p>
+          <a:p>
+            <a:pPr lvl="2"/>
+            <a:r>
+              <a:rPr lang="en-US" dirty="0"/>
+              <a:t>Thus, </a:t>
+            </a:r>
+            <a:r>
+              <a:rPr lang="en-US" dirty="0" err="1"/>
+              <a:t>vruntime</a:t>
+            </a:r>
+            <a:r>
+              <a:rPr lang="en-US" dirty="0"/>
+              <a:t>(A) will accumulate at .33 the rate of </a:t>
+            </a:r>
+            <a:r>
+              <a:rPr lang="en-US" dirty="0" err="1"/>
+              <a:t>vruntime</a:t>
+            </a:r>
+            <a:r>
+              <a:rPr lang="en-US" dirty="0"/>
+              <a:t>(B) – </a:t>
+            </a:r>
+            <a:r>
+              <a:rPr lang="en-US" b="1" dirty="0"/>
+              <a:t>A will have smaller </a:t>
+            </a:r>
+            <a:r>
+              <a:rPr lang="en-US" b="1" dirty="0" err="1"/>
+              <a:t>vruntime</a:t>
+            </a:r>
+            <a:r>
+              <a:rPr lang="en-US" b="1" dirty="0"/>
+              <a:t> and will have higher priority</a:t>
+            </a:r>
+          </a:p>
+          <a:p>
+            <a:pPr lvl="2"/>
+            <a:endParaRPr lang="en-US" dirty="0"/>
+          </a:p>
+          <a:p>
+            <a:pPr lvl="1"/>
+            <a:endParaRPr lang="en-PH" dirty="0"/>
+          </a:p>
+        </p:txBody>
+      </p:sp>
+      <p:pic>
+        <p:nvPicPr>
+          <p:cNvPr id="6" name="Picture 5">
+            <a:extLst>
+              <a:ext uri="{FF2B5EF4-FFF2-40B4-BE49-F238E27FC236}">
+                <a16:creationId xmlns:a16="http://schemas.microsoft.com/office/drawing/2014/main" id="{5C822B7E-93AA-4E25-A47A-3466D5B7C699}"/>
+              </a:ext>
+            </a:extLst>
+          </p:cNvPr>
+          <p:cNvPicPr>
+            <a:picLocks noChangeAspect="1"/>
+          </p:cNvPicPr>
+          <p:nvPr/>
+        </p:nvPicPr>
+        <p:blipFill>
+          <a:blip r:embed="rId2"/>
+          <a:stretch>
+            <a:fillRect/>
+          </a:stretch>
+        </p:blipFill>
+        <p:spPr>
+          <a:xfrm>
+            <a:off x="3062287" y="1500014"/>
+            <a:ext cx="6067425" cy="704850"/>
+          </a:xfrm>
+          <a:prstGeom prst="rect">
+            <a:avLst/>
+          </a:prstGeom>
+        </p:spPr>
+      </p:pic>
+      <p:cxnSp>
+        <p:nvCxnSpPr>
+          <p:cNvPr id="9" name="Straight Arrow Connector 8">
+            <a:extLst>
+              <a:ext uri="{FF2B5EF4-FFF2-40B4-BE49-F238E27FC236}">
+                <a16:creationId xmlns:a16="http://schemas.microsoft.com/office/drawing/2014/main" id="{0808C65F-6B6A-47F9-BC0D-6BEA66B398DD}"/>
+              </a:ext>
+            </a:extLst>
+          </p:cNvPr>
+          <p:cNvCxnSpPr/>
+          <p:nvPr/>
+        </p:nvCxnSpPr>
+        <p:spPr>
+          <a:xfrm flipH="1">
+            <a:off x="8976320" y="1196752"/>
+            <a:ext cx="864096" cy="504056"/>
+          </a:xfrm>
+          <a:prstGeom prst="straightConnector1">
+            <a:avLst/>
+          </a:prstGeom>
+          <a:ln w="12700">
+            <a:solidFill>
+              <a:schemeClr val="tx1"/>
+            </a:solidFill>
+            <a:tailEnd type="triangle"/>
+          </a:ln>
+        </p:spPr>
+        <p:style>
+          <a:lnRef idx="1">
+            <a:schemeClr val="accent1"/>
+          </a:lnRef>
+          <a:fillRef idx="0">
+            <a:schemeClr val="accent1"/>
+          </a:fillRef>
+          <a:effectRef idx="0">
+            <a:schemeClr val="accent1"/>
+          </a:effectRef>
+          <a:fontRef idx="minor">
+            <a:schemeClr val="tx1"/>
+          </a:fontRef>
+        </p:style>
+      </p:cxnSp>
+      <p:sp>
+        <p:nvSpPr>
+          <p:cNvPr id="10" name="TextBox 9">
+            <a:extLst>
+              <a:ext uri="{FF2B5EF4-FFF2-40B4-BE49-F238E27FC236}">
+                <a16:creationId xmlns:a16="http://schemas.microsoft.com/office/drawing/2014/main" id="{B260E773-480F-4BDA-AA2F-45395940F34B}"/>
+              </a:ext>
+            </a:extLst>
+          </p:cNvPr>
+          <p:cNvSpPr txBox="1"/>
+          <p:nvPr/>
+        </p:nvSpPr>
+        <p:spPr>
+          <a:xfrm>
+            <a:off x="9840416" y="957249"/>
+            <a:ext cx="1688283" cy="646331"/>
+          </a:xfrm>
+          <a:prstGeom prst="rect">
+            <a:avLst/>
+          </a:prstGeom>
+          <a:noFill/>
+        </p:spPr>
+        <p:txBody>
+          <a:bodyPr wrap="none" rtlCol="0">
+            <a:spAutoFit/>
+          </a:bodyPr>
+          <a:lstStyle/>
+          <a:p>
+            <a:r>
+              <a:rPr lang="en-US" dirty="0">
+                <a:latin typeface="Oswald" pitchFamily="2" charset="0"/>
+              </a:rPr>
+              <a:t>Actual run time</a:t>
+            </a:r>
+          </a:p>
+          <a:p>
+            <a:r>
+              <a:rPr lang="en-US" dirty="0">
+                <a:latin typeface="Oswald" pitchFamily="2" charset="0"/>
+              </a:rPr>
+              <a:t>accrued over time</a:t>
+            </a:r>
+            <a:endParaRPr lang="en-PH" dirty="0">
+              <a:latin typeface="Oswald" pitchFamily="2" charset="0"/>
+            </a:endParaRPr>
+          </a:p>
+        </p:txBody>
+      </p:sp>
+    </p:spTree>
+    <p:extLst>
+      <p:ext uri="{BB962C8B-B14F-4D97-AF65-F5344CB8AC3E}">
+        <p14:creationId xmlns:p14="http://schemas.microsoft.com/office/powerpoint/2010/main" val="3301385673"/>
+      </p:ext>
+    </p:extLst>
+  </p:cSld>
+  <p:clrMapOvr>
+    <a:masterClrMapping/>
+  </p:clrMapOvr>
+  <p:transition>
+    <p:zoom/>
+  </p:transition>
+</p:sld>
+</file>
+
+<file path=ppt/slides/slide21.xml><?xml version="1.0" encoding="utf-8"?>
+<p:sld xmlns:a="http://schemas.openxmlformats.org/drawingml/2006/main" xmlns:r="http://schemas.openxmlformats.org/officeDocument/2006/relationships" xmlns:p="http://schemas.openxmlformats.org/presentationml/2006/main">
+  <p:cSld>
+    <p:spTree>
+      <p:nvGrpSpPr>
+        <p:cNvPr id="1" name=""/>
+        <p:cNvGrpSpPr/>
+        <p:nvPr/>
+      </p:nvGrpSpPr>
+      <p:grpSpPr>
+        <a:xfrm>
+          <a:off x="0" y="0"/>
+          <a:ext cx="0" cy="0"/>
+          <a:chOff x="0" y="0"/>
+          <a:chExt cx="0" cy="0"/>
+        </a:xfrm>
+      </p:grpSpPr>
+      <p:sp>
+        <p:nvSpPr>
+          <p:cNvPr id="3" name="Title 2">
+            <a:extLst>
+              <a:ext uri="{FF2B5EF4-FFF2-40B4-BE49-F238E27FC236}">
+                <a16:creationId xmlns:a16="http://schemas.microsoft.com/office/drawing/2014/main" id="{640AC25B-B281-4483-A326-38337E06A064}"/>
+              </a:ext>
+            </a:extLst>
+          </p:cNvPr>
+          <p:cNvSpPr>
+            <a:spLocks noGrp="1"/>
+          </p:cNvSpPr>
+          <p:nvPr>
+            <p:ph type="title"/>
+          </p:nvPr>
+        </p:nvSpPr>
+        <p:spPr/>
+        <p:txBody>
+          <a:bodyPr/>
+          <a:lstStyle/>
+          <a:p>
+            <a:r>
+              <a:rPr lang="en-US" dirty="0"/>
+              <a:t>Linux Completely Fair Scheduler (CFS) (Cont.)</a:t>
+            </a:r>
+            <a:endParaRPr lang="en-PH" dirty="0"/>
+          </a:p>
+        </p:txBody>
+      </p:sp>
+      <p:sp>
+        <p:nvSpPr>
+          <p:cNvPr id="4" name="Content Placeholder 3">
+            <a:extLst>
+              <a:ext uri="{FF2B5EF4-FFF2-40B4-BE49-F238E27FC236}">
+                <a16:creationId xmlns:a16="http://schemas.microsoft.com/office/drawing/2014/main" id="{C15EFFFD-9DDB-4B87-A452-624730B5F0B2}"/>
+              </a:ext>
+            </a:extLst>
+          </p:cNvPr>
+          <p:cNvSpPr>
+            <a:spLocks noGrp="1"/>
+          </p:cNvSpPr>
+          <p:nvPr>
+            <p:ph idx="1"/>
+          </p:nvPr>
+        </p:nvSpPr>
+        <p:spPr/>
+        <p:txBody>
+          <a:bodyPr/>
+          <a:lstStyle/>
+          <a:p>
+            <a:r>
+              <a:rPr lang="en-US" dirty="0"/>
+              <a:t>How to </a:t>
+            </a:r>
+            <a:r>
+              <a:rPr lang="en-US" u="sng" dirty="0"/>
+              <a:t>efficiently</a:t>
+            </a:r>
+            <a:r>
+              <a:rPr lang="en-US" dirty="0"/>
+              <a:t> (as quickly as possible) find the next process to run?</a:t>
+            </a:r>
+          </a:p>
+          <a:p>
+            <a:r>
+              <a:rPr lang="en-US" dirty="0">
+                <a:solidFill>
+                  <a:srgbClr val="FF0000"/>
+                </a:solidFill>
+              </a:rPr>
+              <a:t>Red</a:t>
+            </a:r>
+            <a:r>
+              <a:rPr lang="en-US" dirty="0"/>
+              <a:t>-Black Trees</a:t>
+            </a:r>
+          </a:p>
+          <a:p>
+            <a:pPr lvl="1"/>
+            <a:r>
+              <a:rPr lang="en-PH" dirty="0"/>
+              <a:t>Height-balanced tree – logarithmic search time compared to linear search time for lists</a:t>
+            </a:r>
+          </a:p>
+          <a:p>
+            <a:pPr lvl="1"/>
+            <a:r>
+              <a:rPr lang="en-PH" dirty="0"/>
+              <a:t>CFS places only </a:t>
+            </a:r>
+            <a:r>
+              <a:rPr lang="en-PH" u="sng" dirty="0"/>
+              <a:t>running/runnable processes</a:t>
+            </a:r>
+            <a:r>
+              <a:rPr lang="en-PH" dirty="0"/>
+              <a:t> on the RB tree</a:t>
+            </a:r>
+          </a:p>
+          <a:p>
+            <a:pPr lvl="1"/>
+            <a:endParaRPr lang="en-PH" dirty="0"/>
+          </a:p>
+          <a:p>
+            <a:pPr lvl="1"/>
+            <a:endParaRPr lang="en-PH" dirty="0"/>
+          </a:p>
+          <a:p>
+            <a:pPr lvl="1"/>
+            <a:endParaRPr lang="en-PH" dirty="0"/>
+          </a:p>
+        </p:txBody>
+      </p:sp>
+    </p:spTree>
+    <p:extLst>
+      <p:ext uri="{BB962C8B-B14F-4D97-AF65-F5344CB8AC3E}">
+        <p14:creationId xmlns:p14="http://schemas.microsoft.com/office/powerpoint/2010/main" val="1244130375"/>
+      </p:ext>
+    </p:extLst>
+  </p:cSld>
+  <p:clrMapOvr>
+    <a:masterClrMapping/>
+  </p:clrMapOvr>
+  <p:transition>
+    <p:zoom/>
+  </p:transition>
+</p:sld>
+</file>
+
+<file path=ppt/slides/slide22.xml><?xml version="1.0" encoding="utf-8"?>
+<p:sld xmlns:a="http://schemas.openxmlformats.org/drawingml/2006/main" xmlns:r="http://schemas.openxmlformats.org/officeDocument/2006/relationships" xmlns:p="http://schemas.openxmlformats.org/presentationml/2006/main">
+  <p:cSld>
+    <p:spTree>
+      <p:nvGrpSpPr>
+        <p:cNvPr id="1" name=""/>
+        <p:cNvGrpSpPr/>
+        <p:nvPr/>
+      </p:nvGrpSpPr>
+      <p:grpSpPr>
+        <a:xfrm>
+          <a:off x="0" y="0"/>
+          <a:ext cx="0" cy="0"/>
+          <a:chOff x="0" y="0"/>
+          <a:chExt cx="0" cy="0"/>
+        </a:xfrm>
+      </p:grpSpPr>
+      <p:sp>
+        <p:nvSpPr>
+          <p:cNvPr id="3" name="Title 2">
+            <a:extLst>
+              <a:ext uri="{FF2B5EF4-FFF2-40B4-BE49-F238E27FC236}">
+                <a16:creationId xmlns:a16="http://schemas.microsoft.com/office/drawing/2014/main" id="{6A8ECFA0-07E5-4187-AA23-C19263F24018}"/>
+              </a:ext>
+            </a:extLst>
+          </p:cNvPr>
+          <p:cNvSpPr>
+            <a:spLocks noGrp="1"/>
+          </p:cNvSpPr>
+          <p:nvPr>
+            <p:ph type="title"/>
+          </p:nvPr>
+        </p:nvSpPr>
+        <p:spPr/>
+        <p:txBody>
+          <a:bodyPr/>
+          <a:lstStyle/>
+          <a:p>
+            <a:r>
+              <a:rPr lang="en-US" dirty="0"/>
+              <a:t>Linux Completely Fair Scheduler (CFS) (Cont.)</a:t>
+            </a:r>
+            <a:endParaRPr lang="en-PH" dirty="0"/>
+          </a:p>
+        </p:txBody>
+      </p:sp>
+      <p:sp>
+        <p:nvSpPr>
+          <p:cNvPr id="4" name="Content Placeholder 3">
+            <a:extLst>
+              <a:ext uri="{FF2B5EF4-FFF2-40B4-BE49-F238E27FC236}">
+                <a16:creationId xmlns:a16="http://schemas.microsoft.com/office/drawing/2014/main" id="{CDE3B809-E5B6-4BE0-9F58-16CDA980FBC1}"/>
+              </a:ext>
+            </a:extLst>
+          </p:cNvPr>
+          <p:cNvSpPr>
+            <a:spLocks noGrp="1"/>
+          </p:cNvSpPr>
+          <p:nvPr>
+            <p:ph idx="1"/>
+          </p:nvPr>
+        </p:nvSpPr>
+        <p:spPr/>
+        <p:txBody>
+          <a:bodyPr/>
+          <a:lstStyle/>
+          <a:p>
+            <a:r>
+              <a:rPr lang="en-US" dirty="0"/>
+              <a:t>RB Tree Example</a:t>
+            </a:r>
+          </a:p>
+          <a:p>
+            <a:pPr lvl="1"/>
+            <a:r>
+              <a:rPr lang="en-US" dirty="0"/>
+              <a:t>Given: There are 10 processes with </a:t>
+            </a:r>
+            <a:r>
+              <a:rPr lang="en-US" dirty="0" err="1"/>
+              <a:t>vruntimes</a:t>
+            </a:r>
+            <a:r>
+              <a:rPr lang="en-US" dirty="0"/>
+              <a:t> of 1, 5, 9, 10, 14, 18, 17, 21, 22, 24</a:t>
+            </a:r>
+          </a:p>
+          <a:p>
+            <a:pPr lvl="1"/>
+            <a:r>
+              <a:rPr lang="en-US" dirty="0"/>
+              <a:t>If a </a:t>
+            </a:r>
+            <a:r>
+              <a:rPr lang="en-US" u="sng" dirty="0"/>
+              <a:t>sorted list </a:t>
+            </a:r>
+            <a:r>
+              <a:rPr lang="en-US" dirty="0"/>
+              <a:t>is used, next process to run </a:t>
+            </a:r>
+            <a:r>
+              <a:rPr lang="en-US" u="sng" dirty="0"/>
+              <a:t>is simply the first element</a:t>
+            </a:r>
+          </a:p>
+          <a:p>
+            <a:pPr lvl="2"/>
+            <a:r>
+              <a:rPr lang="en-US" dirty="0"/>
+              <a:t>Inserting a new process however will need the scan of all items in the sorted list, in the worst case</a:t>
+            </a:r>
+          </a:p>
+          <a:p>
+            <a:pPr lvl="1"/>
+            <a:r>
+              <a:rPr lang="en-US" dirty="0"/>
+              <a:t>Use of RB tree(</a:t>
+            </a:r>
+            <a:r>
+              <a:rPr lang="en-US" dirty="0" err="1"/>
+              <a:t>vruntimes</a:t>
+            </a:r>
+            <a:r>
+              <a:rPr lang="en-US" dirty="0"/>
+              <a:t> as key) improves efficiency, most operations are logarithmic</a:t>
+            </a:r>
+          </a:p>
+          <a:p>
+            <a:endParaRPr lang="en-US" dirty="0"/>
+          </a:p>
+          <a:p>
+            <a:endParaRPr lang="en-PH" dirty="0"/>
+          </a:p>
+        </p:txBody>
+      </p:sp>
+      <p:pic>
+        <p:nvPicPr>
+          <p:cNvPr id="6" name="Picture 5">
+            <a:extLst>
+              <a:ext uri="{FF2B5EF4-FFF2-40B4-BE49-F238E27FC236}">
+                <a16:creationId xmlns:a16="http://schemas.microsoft.com/office/drawing/2014/main" id="{C8CABEFD-8550-4E05-96E3-8FBA8386FDAE}"/>
+              </a:ext>
+            </a:extLst>
+          </p:cNvPr>
+          <p:cNvPicPr>
+            <a:picLocks noChangeAspect="1"/>
+          </p:cNvPicPr>
+          <p:nvPr/>
+        </p:nvPicPr>
+        <p:blipFill>
+          <a:blip r:embed="rId2"/>
+          <a:stretch>
+            <a:fillRect/>
+          </a:stretch>
+        </p:blipFill>
+        <p:spPr>
+          <a:xfrm>
+            <a:off x="3642469" y="3284984"/>
+            <a:ext cx="4907061" cy="2827519"/>
+          </a:xfrm>
+          <a:prstGeom prst="rect">
+            <a:avLst/>
+          </a:prstGeom>
+        </p:spPr>
+      </p:pic>
+    </p:spTree>
+    <p:extLst>
+      <p:ext uri="{BB962C8B-B14F-4D97-AF65-F5344CB8AC3E}">
+        <p14:creationId xmlns:p14="http://schemas.microsoft.com/office/powerpoint/2010/main" val="1748421282"/>
+      </p:ext>
+    </p:extLst>
+  </p:cSld>
+  <p:clrMapOvr>
+    <a:masterClrMapping/>
+  </p:clrMapOvr>
+  <p:transition>
+    <p:zoom/>
+  </p:transition>
+</p:sld>
+</file>
+
+<file path=ppt/slides/slide23.xml><?xml version="1.0" encoding="utf-8"?>
+<p:sld xmlns:a="http://schemas.openxmlformats.org/drawingml/2006/main" xmlns:r="http://schemas.openxmlformats.org/officeDocument/2006/relationships" xmlns:p="http://schemas.openxmlformats.org/presentationml/2006/main">
+  <p:cSld>
+    <p:spTree>
+      <p:nvGrpSpPr>
+        <p:cNvPr id="1" name=""/>
+        <p:cNvGrpSpPr/>
+        <p:nvPr/>
+      </p:nvGrpSpPr>
+      <p:grpSpPr>
+        <a:xfrm>
+          <a:off x="0" y="0"/>
+          <a:ext cx="0" cy="0"/>
+          <a:chOff x="0" y="0"/>
+          <a:chExt cx="0" cy="0"/>
+        </a:xfrm>
+      </p:grpSpPr>
+      <p:sp>
+        <p:nvSpPr>
+          <p:cNvPr id="3" name="Title 2">
+            <a:extLst>
+              <a:ext uri="{FF2B5EF4-FFF2-40B4-BE49-F238E27FC236}">
+                <a16:creationId xmlns:a16="http://schemas.microsoft.com/office/drawing/2014/main" id="{2A68D97D-2CA4-4EBE-B7DC-993377F2821D}"/>
+              </a:ext>
+            </a:extLst>
+          </p:cNvPr>
+          <p:cNvSpPr>
+            <a:spLocks noGrp="1"/>
+          </p:cNvSpPr>
+          <p:nvPr>
+            <p:ph type="title"/>
+          </p:nvPr>
+        </p:nvSpPr>
+        <p:spPr/>
+        <p:txBody>
+          <a:bodyPr/>
+          <a:lstStyle/>
+          <a:p>
+            <a:r>
+              <a:rPr lang="en-US" dirty="0"/>
+              <a:t>Linux Completely Fair Scheduler (CFS) (Cont.)</a:t>
+            </a:r>
+            <a:endParaRPr lang="en-PH" dirty="0"/>
+          </a:p>
+        </p:txBody>
+      </p:sp>
+      <p:sp>
+        <p:nvSpPr>
+          <p:cNvPr id="4" name="Content Placeholder 3">
+            <a:extLst>
+              <a:ext uri="{FF2B5EF4-FFF2-40B4-BE49-F238E27FC236}">
+                <a16:creationId xmlns:a16="http://schemas.microsoft.com/office/drawing/2014/main" id="{3DBA2DD3-47DE-4CEE-85EB-8C2CB2EBE8D9}"/>
+              </a:ext>
+            </a:extLst>
+          </p:cNvPr>
+          <p:cNvSpPr>
+            <a:spLocks noGrp="1"/>
+          </p:cNvSpPr>
+          <p:nvPr>
+            <p:ph idx="1"/>
+          </p:nvPr>
+        </p:nvSpPr>
+        <p:spPr/>
+        <p:txBody>
+          <a:bodyPr/>
+          <a:lstStyle/>
+          <a:p>
+            <a:r>
+              <a:rPr lang="en-US" dirty="0"/>
+              <a:t>How to deal with I/O and sleeping processes (long sleep)?</a:t>
+            </a:r>
+          </a:p>
+          <a:p>
+            <a:pPr lvl="1"/>
+            <a:r>
+              <a:rPr lang="en-US" dirty="0"/>
+              <a:t>Awaken sleeping processes may monopolize CPU since its </a:t>
+            </a:r>
+            <a:r>
+              <a:rPr lang="en-US" dirty="0" err="1"/>
+              <a:t>vruntime</a:t>
+            </a:r>
+            <a:r>
+              <a:rPr lang="en-US" dirty="0"/>
+              <a:t> has not been updated for a while</a:t>
+            </a:r>
+          </a:p>
+          <a:p>
+            <a:pPr lvl="1"/>
+            <a:r>
+              <a:rPr lang="en-US" dirty="0"/>
+              <a:t>Solution: Alter the </a:t>
+            </a:r>
+            <a:r>
+              <a:rPr lang="en-US" dirty="0" err="1"/>
+              <a:t>vruntime</a:t>
+            </a:r>
+            <a:r>
+              <a:rPr lang="en-US" dirty="0"/>
+              <a:t> of the newly awaken process by setting it to the minimum </a:t>
+            </a:r>
+            <a:r>
+              <a:rPr lang="en-US" dirty="0" err="1"/>
+              <a:t>vruntime</a:t>
+            </a:r>
+            <a:r>
+              <a:rPr lang="en-US" dirty="0"/>
+              <a:t> in the RB tree</a:t>
+            </a:r>
+          </a:p>
+          <a:p>
+            <a:pPr lvl="1"/>
+            <a:r>
+              <a:rPr lang="en-US" dirty="0"/>
+              <a:t>Processes sleeping for short periods of time will not get fair share of CPU</a:t>
+            </a:r>
+          </a:p>
+          <a:p>
+            <a:r>
+              <a:rPr lang="en-US" dirty="0"/>
+              <a:t>Other fun stuff about CFS</a:t>
+            </a:r>
+          </a:p>
+          <a:p>
+            <a:pPr lvl="1"/>
+            <a:r>
+              <a:rPr lang="en-US" dirty="0"/>
+              <a:t>Heuristics to improve performance</a:t>
+            </a:r>
+          </a:p>
+          <a:p>
+            <a:pPr lvl="1"/>
+            <a:r>
+              <a:rPr lang="en-US" dirty="0"/>
+              <a:t>Handling multiple CPUs</a:t>
+            </a:r>
+          </a:p>
+          <a:p>
+            <a:pPr lvl="1"/>
+            <a:r>
+              <a:rPr lang="en-US" dirty="0"/>
+              <a:t>Scheduling for process groups</a:t>
+            </a:r>
+          </a:p>
+          <a:p>
+            <a:pPr lvl="1"/>
+            <a:endParaRPr lang="en-PH" dirty="0"/>
+          </a:p>
+        </p:txBody>
+      </p:sp>
+    </p:spTree>
+    <p:extLst>
+      <p:ext uri="{BB962C8B-B14F-4D97-AF65-F5344CB8AC3E}">
+        <p14:creationId xmlns:p14="http://schemas.microsoft.com/office/powerpoint/2010/main" val="3569933265"/>
+      </p:ext>
+    </p:extLst>
+  </p:cSld>
+  <p:clrMapOvr>
+    <a:masterClrMapping/>
+  </p:clrMapOvr>
+  <p:transition>
+    <p:zoom/>
+  </p:transition>
+</p:sld>
+</file>
+
 <file path=ppt/slides/slide3.xml><?xml version="1.0" encoding="utf-8"?>
 <p:sld xmlns:a="http://schemas.openxmlformats.org/drawingml/2006/main" xmlns:r="http://schemas.openxmlformats.org/officeDocument/2006/relationships" xmlns:p="http://schemas.openxmlformats.org/presentationml/2006/main">
   <p:cSld>
@@ -5399,6 +7466,10 @@
           <a:lstStyle/>
           <a:p>
             <a:r>
+              <a:rPr lang="en-US" altLang="ko-KR" dirty="0"/>
+              <a:t>aka</a:t>
+            </a:r>
+            <a:r>
               <a:rPr lang="en-US" altLang="ko-KR" dirty="0">
                 <a:solidFill>
                   <a:schemeClr val="accent6">
@@ -5406,7 +7477,7 @@
                   </a:schemeClr>
                 </a:solidFill>
               </a:rPr>
-              <a:t>Fair-share</a:t>
+              <a:t> Fair-share</a:t>
             </a:r>
             <a:r>
               <a:rPr lang="en-US" altLang="ko-KR" dirty="0"/>
@@ -5417,7 +7488,7 @@
             <a:pPr lvl="1"/>
             <a:r>
               <a:rPr lang="en-US" altLang="ko-KR" dirty="0"/>
-              <a:t>Guarantee that each job obtain </a:t>
+              <a:t>Guarantee that each process obtains </a:t>
             </a:r>
             <a:r>
               <a:rPr lang="en-US" altLang="ko-KR" i="1" dirty="0"/>
@@ -5425,14 +7496,14 @@
             </a:r>
             <a:r>
               <a:rPr lang="en-US" altLang="ko-KR" dirty="0"/>
-              <a:t>of CPU time.</a:t>
+              <a:t>of CPU time</a:t>
             </a:r>
           </a:p>
           <a:p>
             <a:pPr lvl="1"/>
             <a:r>
               <a:rPr lang="en-US" altLang="ko-KR" dirty="0"/>
-              <a:t>Not optimized for turnaround or response time</a:t>
+              <a:t>Not necessarily optimizing for turnaround time or response time</a:t>
             </a:r>
           </a:p>
           <a:p>
@@ -5491,7 +7562,7 @@
           <a:p>
             <a:r>
               <a:rPr lang="en-US" altLang="ko-KR" dirty="0"/>
-              <a:t>Basic Concept</a:t>
+              <a:t>Basic Concept: Hold a Lottery!</a:t>
             </a:r>
             <a:endParaRPr lang="ko-KR" altLang="en-US" dirty="0"/>
           </a:p>
@@ -5521,7 +7592,7 @@
             <a:pPr lvl="1"/>
             <a:r>
               <a:rPr lang="en-US" altLang="ko-KR" dirty="0"/>
-              <a:t>Represent the share of a resource that a process should receive</a:t>
+              <a:t>Represent the share of a resource that a process(or user) should receive</a:t>
             </a:r>
           </a:p>
           <a:p>
@@ -5532,7 +7603,7 @@
             </a:r>
             <a:r>
               <a:rPr lang="en-US" altLang="ko-KR" dirty="0"/>
-              <a:t> represents its share of the system resource in question.</a:t>
+              <a:t> represents its share of the system resource in question</a:t>
             </a:r>
           </a:p>
           <a:p>
@@ -5549,7 +7620,7 @@
             <a:pPr lvl="1"/>
             <a:r>
               <a:rPr lang="en-US" altLang="ko-KR" dirty="0"/>
-              <a:t>There are two processes, A and B.</a:t>
+              <a:t>There are two processes, A and B</a:t>
             </a:r>
           </a:p>
           <a:p>
@@ -5636,7 +7707,7 @@
           <a:p>
             <a:r>
               <a:rPr lang="en-US" altLang="ko-KR" dirty="0"/>
-              <a:t>Lottery scheduling</a:t>
+              <a:t>Lottery Scheduling</a:t>
             </a:r>
             <a:endParaRPr lang="ko-KR" altLang="en-US" dirty="0"/>
           </a:p>
@@ -5659,6 +7730,16 @@
           <a:p>
             <a:r>
               <a:rPr lang="en-US" altLang="ko-KR" dirty="0"/>
+              <a:t>Lottery can be held </a:t>
+            </a:r>
+            <a:r>
+              <a:rPr lang="en-US" altLang="ko-KR" i="1" dirty="0"/>
+              <a:t>every time slice</a:t>
+            </a:r>
+          </a:p>
+          <a:p>
+            <a:r>
+              <a:rPr lang="en-US" altLang="ko-KR" dirty="0"/>
               <a:t>The scheduler picks </a:t>
             </a:r>
             <a:r>
@@ -5666,23 +7747,23 @@
               <a:t>a winning ticket</a:t>
             </a:r>
             <a:r>
+              <a:rPr lang="en-US" altLang="ko-KR" b="1" u="sng" dirty="0"/>
+              <a:t> </a:t>
+            </a:r>
+            <a:r>
               <a:rPr lang="en-US" altLang="ko-KR" dirty="0"/>
-              <a:t>.</a:t>
+              <a:t>(probabilistically/randomized)</a:t>
             </a:r>
           </a:p>
           <a:p>
             <a:pPr lvl="1"/>
             <a:r>
               <a:rPr lang="en-US" altLang="ko-KR" dirty="0"/>
-              <a:t>Load the state of that </a:t>
+              <a:t>Run the process that holds the </a:t>
             </a:r>
             <a:r>
               <a:rPr lang="en-US" altLang="ko-KR" i="1" dirty="0"/>
-              <a:t>winning process </a:t>
-            </a:r>
-            <a:r>
-              <a:rPr lang="en-US" altLang="ko-KR" dirty="0"/>
-              <a:t>and runs it.</a:t>
+              <a:t>winning ticket</a:t>
             </a:r>
           </a:p>
           <a:p>
@@ -5722,7 +7803,7 @@
         </p:nvGrpSpPr>
         <p:grpSpPr>
           <a:xfrm>
-            <a:off x="2495600" y="3933057"/>
+            <a:off x="2495600" y="4693773"/>
             <a:ext cx="7416824" cy="679443"/>
             <a:chOff x="539552" y="4353478"/>
             <a:chExt cx="7416824" cy="679443"/>
@@ -6495,7 +8576,7 @@
         </p:nvSpPr>
         <p:spPr>
           <a:xfrm>
-            <a:off x="2495600" y="5085184"/>
+            <a:off x="2495600" y="5661248"/>
             <a:ext cx="7224456" cy="792088"/>
           </a:xfrm>
           <a:prstGeom prst="roundRect">
@@ -6597,7 +8678,13 @@
       </p:grpSpPr>
       <p:sp>
         <p:nvSpPr>
-          <p:cNvPr id="2" name="제목 1"/>
+          <p:cNvPr id="3" name="Title 2">
+            <a:extLst>
+              <a:ext uri="{FF2B5EF4-FFF2-40B4-BE49-F238E27FC236}">
+                <a16:creationId xmlns:a16="http://schemas.microsoft.com/office/drawing/2014/main" id="{839CC6FF-C8E0-4654-8742-C888BE846AD9}"/>
+              </a:ext>
+            </a:extLst>
+          </p:cNvPr>
           <p:cNvSpPr>
             <a:spLocks noGrp="1"/>
           </p:cNvSpPr>
@@ -6611,16 +8698,22 @@
           <a:lstStyle/>
           <a:p>
             <a:r>
-              <a:rPr lang="en-US" altLang="ko-KR" dirty="0"/>
-              <a:t>Ticket Mechanisms</a:t>
-            </a:r>
-            <a:endParaRPr lang="ko-KR" altLang="en-US" dirty="0"/>
+              <a:rPr lang="en-US" dirty="0"/>
+              <a:t>Aside: Why Random?</a:t>
+            </a:r>
+            <a:endParaRPr lang="en-PH" dirty="0"/>
           </a:p>
         </p:txBody>
       </p:sp>
       <p:sp>
         <p:nvSpPr>
-          <p:cNvPr id="3" name="내용 개체 틀 2"/>
+          <p:cNvPr id="4" name="Content Placeholder 3">
+            <a:extLst>
+              <a:ext uri="{FF2B5EF4-FFF2-40B4-BE49-F238E27FC236}">
+                <a16:creationId xmlns:a16="http://schemas.microsoft.com/office/drawing/2014/main" id="{7C88FDD5-8378-4809-A7F4-54814DE88834}"/>
+              </a:ext>
+            </a:extLst>
+          </p:cNvPr>
           <p:cNvSpPr>
             <a:spLocks noGrp="1"/>
           </p:cNvSpPr>
@@ -6634,315 +8727,46 @@
           <a:lstStyle/>
           <a:p>
             <a:r>
-              <a:rPr lang="en-US" altLang="ko-KR" dirty="0"/>
-              <a:t>Ticket currency</a:t>
+              <a:rPr lang="en-US" dirty="0"/>
+              <a:t>Random </a:t>
+            </a:r>
+            <a:r>
+              <a:rPr lang="en-US" u="sng" dirty="0"/>
+              <a:t>avoids strange corner-case behaviors</a:t>
+            </a:r>
+          </a:p>
+          <a:p>
+            <a:r>
+              <a:rPr lang="en-PH" dirty="0"/>
+              <a:t>Random is </a:t>
+            </a:r>
+            <a:r>
+              <a:rPr lang="en-PH" u="sng" dirty="0"/>
+              <a:t>lightweight</a:t>
             </a:r>
           </a:p>
           <a:p>
             <a:pPr lvl="1"/>
             <a:r>
-              <a:rPr lang="en-US" altLang="ko-KR" dirty="0"/>
-              <a:t>A user allocates tickets among their own jobs in whatever currency they would like.</a:t>
+              <a:rPr lang="en-PH" dirty="0"/>
+              <a:t>Per-process accounting is reduced</a:t>
+            </a:r>
+          </a:p>
+          <a:p>
+            <a:r>
+              <a:rPr lang="en-PH" dirty="0"/>
+              <a:t>Random is </a:t>
+            </a:r>
+            <a:r>
+              <a:rPr lang="en-PH" u="sng" dirty="0"/>
+              <a:t>fast</a:t>
             </a:r>
           </a:p>
           <a:p>
             <a:pPr lvl="1"/>
             <a:r>
-              <a:rPr lang="en-US" altLang="ko-KR" dirty="0"/>
-              <a:t>The system converts the currency into the correct global value.</a:t>
-            </a:r>
-          </a:p>
-          <a:p>
-            <a:pPr lvl="1"/>
-            <a:r>
-              <a:rPr lang="en-US" altLang="ko-KR" dirty="0"/>
-              <a:t>Example</a:t>
-            </a:r>
-          </a:p>
-          <a:p>
-            <a:pPr lvl="2"/>
-            <a:r>
-              <a:rPr lang="en-US" altLang="ko-KR" dirty="0"/>
-              <a:t>There are 200 tickets (Global currency)</a:t>
-            </a:r>
-          </a:p>
-          <a:p>
-            <a:pPr lvl="2"/>
-            <a:r>
-              <a:rPr lang="en-US" altLang="ko-KR" dirty="0"/>
-              <a:t>Process A has 100 tickets</a:t>
-            </a:r>
-          </a:p>
-          <a:p>
-            <a:pPr lvl="2"/>
-            <a:r>
-              <a:rPr lang="en-US" altLang="ko-KR" dirty="0"/>
-              <a:t>Process B has 100 tickets</a:t>
-            </a:r>
-          </a:p>
-          <a:p>
-            <a:pPr lvl="2"/>
-            <a:endParaRPr lang="en-US" altLang="ko-KR" dirty="0"/>
-          </a:p>
-          <a:p>
-            <a:pPr lvl="1"/>
-            <a:endParaRPr lang="ko-KR" altLang="en-US" dirty="0"/>
-          </a:p>
-        </p:txBody>
-      </p:sp>
-      <p:sp>
-        <p:nvSpPr>
-          <p:cNvPr id="6" name="TextBox 5"/>
-          <p:cNvSpPr txBox="1"/>
-          <p:nvPr/>
-        </p:nvSpPr>
-        <p:spPr>
-          <a:xfrm>
-            <a:off x="2792318" y="4653137"/>
-            <a:ext cx="5876352" cy="584775"/>
-          </a:xfrm>
-          <a:prstGeom prst="rect">
-            <a:avLst/>
-          </a:prstGeom>
-          <a:noFill/>
-        </p:spPr>
-        <p:txBody>
-          <a:bodyPr wrap="none" rtlCol="0">
-            <a:spAutoFit/>
-          </a:bodyPr>
-          <a:lstStyle/>
-          <a:p>
-            <a:r>
-              <a:rPr lang="en-US" altLang="ko-KR" sz="1600" b="1" dirty="0">
-                <a:solidFill>
-                  <a:srgbClr val="1F497D"/>
-                </a:solidFill>
-                <a:latin typeface="맑은 고딕" pitchFamily="50" charset="-127"/>
-                <a:ea typeface="맑은 고딕" pitchFamily="50" charset="-127"/>
-              </a:rPr>
-              <a:t>User A</a:t>
-            </a:r>
-            <a:r>
-              <a:rPr lang="en-US" altLang="ko-KR" sz="1600" dirty="0">
-                <a:solidFill>
-                  <a:prstClr val="black"/>
-                </a:solidFill>
-                <a:latin typeface="맑은 고딕" pitchFamily="50" charset="-127"/>
-                <a:ea typeface="맑은 고딕" pitchFamily="50" charset="-127"/>
-              </a:rPr>
-              <a:t>	</a:t>
-            </a:r>
-            <a:r>
-              <a:rPr lang="en-US" altLang="ko-KR" sz="1600" dirty="0">
-                <a:solidFill>
-                  <a:prstClr val="black"/>
-                </a:solidFill>
-                <a:latin typeface="맑은 고딕" pitchFamily="50" charset="-127"/>
-                <a:ea typeface="맑은 고딕" pitchFamily="50" charset="-127"/>
-                <a:sym typeface="Wingdings" pitchFamily="2" charset="2"/>
-              </a:rPr>
-              <a:t> </a:t>
-            </a:r>
-            <a:r>
-              <a:rPr lang="en-US" altLang="ko-KR" sz="1600" i="1" dirty="0">
-                <a:solidFill>
-                  <a:prstClr val="black"/>
-                </a:solidFill>
-                <a:latin typeface="맑은 고딕" pitchFamily="50" charset="-127"/>
-                <a:ea typeface="맑은 고딕" pitchFamily="50" charset="-127"/>
-                <a:sym typeface="Wingdings" pitchFamily="2" charset="2"/>
-              </a:rPr>
-              <a:t>500</a:t>
-            </a:r>
-            <a:r>
-              <a:rPr lang="en-US" altLang="ko-KR" sz="1600" dirty="0">
-                <a:solidFill>
-                  <a:prstClr val="black"/>
-                </a:solidFill>
-                <a:latin typeface="맑은 고딕" pitchFamily="50" charset="-127"/>
-                <a:ea typeface="맑은 고딕" pitchFamily="50" charset="-127"/>
-                <a:sym typeface="Wingdings" pitchFamily="2" charset="2"/>
-              </a:rPr>
-              <a:t> (A’s currency) to A1   </a:t>
-            </a:r>
-            <a:r>
-              <a:rPr lang="en-US" altLang="ko-KR" sz="1600" i="1" dirty="0">
-                <a:solidFill>
-                  <a:prstClr val="black"/>
-                </a:solidFill>
-                <a:latin typeface="맑은 고딕" pitchFamily="50" charset="-127"/>
-                <a:ea typeface="맑은 고딕" pitchFamily="50" charset="-127"/>
-                <a:sym typeface="Wingdings" pitchFamily="2" charset="2"/>
-              </a:rPr>
-              <a:t>50</a:t>
-            </a:r>
-            <a:r>
-              <a:rPr lang="en-US" altLang="ko-KR" sz="1600" dirty="0">
-                <a:solidFill>
-                  <a:prstClr val="black"/>
-                </a:solidFill>
-                <a:latin typeface="맑은 고딕" pitchFamily="50" charset="-127"/>
-                <a:ea typeface="맑은 고딕" pitchFamily="50" charset="-127"/>
-                <a:sym typeface="Wingdings" pitchFamily="2" charset="2"/>
-              </a:rPr>
-              <a:t> (global currency)</a:t>
-            </a:r>
-          </a:p>
-          <a:p>
-            <a:r>
-              <a:rPr lang="en-US" altLang="ko-KR" sz="1600" dirty="0">
-                <a:solidFill>
-                  <a:prstClr val="black"/>
-                </a:solidFill>
-                <a:latin typeface="맑은 고딕" pitchFamily="50" charset="-127"/>
-                <a:ea typeface="맑은 고딕" pitchFamily="50" charset="-127"/>
-                <a:sym typeface="Wingdings" pitchFamily="2" charset="2"/>
-              </a:rPr>
-              <a:t>	 </a:t>
-            </a:r>
-            <a:r>
-              <a:rPr lang="en-US" altLang="ko-KR" sz="1600" i="1" dirty="0">
-                <a:solidFill>
-                  <a:prstClr val="black"/>
-                </a:solidFill>
-                <a:latin typeface="맑은 고딕" pitchFamily="50" charset="-127"/>
-                <a:ea typeface="맑은 고딕" pitchFamily="50" charset="-127"/>
-                <a:sym typeface="Wingdings" pitchFamily="2" charset="2"/>
-              </a:rPr>
-              <a:t>500 </a:t>
-            </a:r>
-            <a:r>
-              <a:rPr lang="en-US" altLang="ko-KR" sz="1600" dirty="0">
-                <a:solidFill>
-                  <a:prstClr val="black"/>
-                </a:solidFill>
-                <a:latin typeface="맑은 고딕" pitchFamily="50" charset="-127"/>
-                <a:ea typeface="맑은 고딕" pitchFamily="50" charset="-127"/>
-                <a:sym typeface="Wingdings" pitchFamily="2" charset="2"/>
-              </a:rPr>
-              <a:t>(A’s currency) to A2   </a:t>
-            </a:r>
-            <a:r>
-              <a:rPr lang="en-US" altLang="ko-KR" sz="1600" i="1" dirty="0">
-                <a:solidFill>
-                  <a:prstClr val="black"/>
-                </a:solidFill>
-                <a:latin typeface="맑은 고딕" pitchFamily="50" charset="-127"/>
-                <a:ea typeface="맑은 고딕" pitchFamily="50" charset="-127"/>
-                <a:sym typeface="Wingdings" pitchFamily="2" charset="2"/>
-              </a:rPr>
-              <a:t>50 </a:t>
-            </a:r>
-            <a:r>
-              <a:rPr lang="en-US" altLang="ko-KR" sz="1600" dirty="0">
-                <a:solidFill>
-                  <a:prstClr val="black"/>
-                </a:solidFill>
-                <a:latin typeface="맑은 고딕" pitchFamily="50" charset="-127"/>
-                <a:ea typeface="맑은 고딕" pitchFamily="50" charset="-127"/>
-                <a:sym typeface="Wingdings" pitchFamily="2" charset="2"/>
-              </a:rPr>
-              <a:t>(global currency)</a:t>
-            </a:r>
-          </a:p>
-        </p:txBody>
-      </p:sp>
-      <p:sp>
-        <p:nvSpPr>
-          <p:cNvPr id="7" name="TextBox 6"/>
-          <p:cNvSpPr txBox="1"/>
-          <p:nvPr/>
-        </p:nvSpPr>
-        <p:spPr>
-          <a:xfrm>
-            <a:off x="2819950" y="5435932"/>
-            <a:ext cx="5868338" cy="338554"/>
-          </a:xfrm>
-          <a:prstGeom prst="rect">
-            <a:avLst/>
-          </a:prstGeom>
-          <a:noFill/>
-        </p:spPr>
-        <p:txBody>
-          <a:bodyPr wrap="none" rtlCol="0">
-            <a:spAutoFit/>
-          </a:bodyPr>
-          <a:lstStyle/>
-          <a:p>
-            <a:r>
-              <a:rPr lang="en-US" altLang="ko-KR" sz="1600" b="1" dirty="0">
-                <a:solidFill>
-                  <a:srgbClr val="1F497D"/>
-                </a:solidFill>
-                <a:latin typeface="맑은 고딕" pitchFamily="50" charset="-127"/>
-                <a:ea typeface="맑은 고딕" pitchFamily="50" charset="-127"/>
-              </a:rPr>
-              <a:t>User B</a:t>
-            </a:r>
-            <a:r>
-              <a:rPr lang="en-US" altLang="ko-KR" sz="1600" dirty="0">
-                <a:solidFill>
-                  <a:prstClr val="black"/>
-                </a:solidFill>
-                <a:latin typeface="맑은 고딕" pitchFamily="50" charset="-127"/>
-                <a:ea typeface="맑은 고딕" pitchFamily="50" charset="-127"/>
-              </a:rPr>
-              <a:t>	</a:t>
-            </a:r>
-            <a:r>
-              <a:rPr lang="en-US" altLang="ko-KR" sz="1600" dirty="0">
-                <a:solidFill>
-                  <a:prstClr val="black"/>
-                </a:solidFill>
-                <a:latin typeface="맑은 고딕" pitchFamily="50" charset="-127"/>
-                <a:ea typeface="맑은 고딕" pitchFamily="50" charset="-127"/>
-                <a:sym typeface="Wingdings" pitchFamily="2" charset="2"/>
-              </a:rPr>
-              <a:t>  </a:t>
-            </a:r>
-            <a:r>
-              <a:rPr lang="en-US" altLang="ko-KR" sz="1600" i="1" dirty="0">
-                <a:solidFill>
-                  <a:prstClr val="black"/>
-                </a:solidFill>
-                <a:latin typeface="맑은 고딕" pitchFamily="50" charset="-127"/>
-                <a:ea typeface="맑은 고딕" pitchFamily="50" charset="-127"/>
-                <a:sym typeface="Wingdings" pitchFamily="2" charset="2"/>
-              </a:rPr>
-              <a:t>10</a:t>
-            </a:r>
-            <a:r>
-              <a:rPr lang="en-US" altLang="ko-KR" sz="1600" dirty="0">
-                <a:solidFill>
-                  <a:prstClr val="black"/>
-                </a:solidFill>
-                <a:latin typeface="맑은 고딕" pitchFamily="50" charset="-127"/>
-                <a:ea typeface="맑은 고딕" pitchFamily="50" charset="-127"/>
-                <a:sym typeface="Wingdings" pitchFamily="2" charset="2"/>
-              </a:rPr>
-              <a:t> (B’s currency) to B1  </a:t>
-            </a:r>
-            <a:r>
-              <a:rPr lang="en-US" altLang="ko-KR" sz="1600" i="1" dirty="0">
-                <a:solidFill>
-                  <a:prstClr val="black"/>
-                </a:solidFill>
-                <a:latin typeface="맑은 고딕" pitchFamily="50" charset="-127"/>
-                <a:ea typeface="맑은 고딕" pitchFamily="50" charset="-127"/>
-                <a:sym typeface="Wingdings" pitchFamily="2" charset="2"/>
-              </a:rPr>
-              <a:t>100</a:t>
-            </a:r>
-            <a:r>
-              <a:rPr lang="en-US" altLang="ko-KR" sz="1600" dirty="0">
-                <a:solidFill>
-                  <a:prstClr val="black"/>
-                </a:solidFill>
-                <a:latin typeface="맑은 고딕" pitchFamily="50" charset="-127"/>
-                <a:ea typeface="맑은 고딕" pitchFamily="50" charset="-127"/>
-                <a:sym typeface="Wingdings" pitchFamily="2" charset="2"/>
-              </a:rPr>
-              <a:t> (global currency)</a:t>
+              <a:rPr lang="en-PH" dirty="0"/>
+              <a:t>Generating a random number from a generator is typically fast (hardware-supported)</a:t>
             </a:r>
           </a:p>
         </p:txBody>
@@ -6950,7 +8774,7 @@
     </p:spTree>
     <p:extLst>
       <p:ext uri="{BB962C8B-B14F-4D97-AF65-F5344CB8AC3E}">
-        <p14:creationId xmlns:p14="http://schemas.microsoft.com/office/powerpoint/2010/main" val="3702314776"/>
+        <p14:creationId xmlns:p14="http://schemas.microsoft.com/office/powerpoint/2010/main" val="2110099995"/>
       </p:ext>
     </p:extLst>
   </p:cSld>
@@ -6997,7 +8821,7 @@
           <a:p>
             <a:r>
               <a:rPr lang="en-US" altLang="ko-KR" dirty="0"/>
-              <a:t>Ticket Mechanisms (Cont.)</a:t>
+              <a:t>Ticket Mechanisms</a:t>
             </a:r>
             <a:endParaRPr lang="ko-KR" altLang="en-US" dirty="0"/>
           </a:p>
@@ -7019,83 +8843,339 @@
           <a:lstStyle/>
           <a:p>
             <a:r>
+              <a:rPr lang="en-US" altLang="ko-KR" b="1" dirty="0"/>
+              <a:t>#1: Ticket Currency</a:t>
+            </a:r>
+          </a:p>
+          <a:p>
+            <a:pPr lvl="1"/>
+            <a:r>
               <a:rPr lang="en-US" altLang="ko-KR" dirty="0"/>
-              <a:t>Ticket transfer</a:t>
+              <a:t>A user(in multiuser systems) allocates tickets among their own processes in whatever currency they would like( </a:t>
+            </a:r>
+            <a:r>
+              <a:rPr lang="en-US" altLang="ko-KR" u="sng" dirty="0"/>
+              <a:t>Local Currency</a:t>
+            </a:r>
+            <a:r>
+              <a:rPr lang="en-US" altLang="ko-KR" dirty="0"/>
+              <a:t>)</a:t>
             </a:r>
           </a:p>
           <a:p>
             <a:pPr lvl="1"/>
             <a:r>
               <a:rPr lang="en-US" altLang="ko-KR" dirty="0"/>
-              <a:t>A process can temporarily </a:t>
+              <a:t>The system converts the Local Currency into the correct </a:t>
             </a:r>
             <a:r>
               <a:rPr lang="en-US" altLang="ko-KR" u="sng" dirty="0"/>
-              <a:t>hand off</a:t>
+              <a:t>Global Currency</a:t>
             </a:r>
             <a:r>
               <a:rPr lang="en-US" altLang="ko-KR" dirty="0"/>
-              <a:t> </a:t>
-            </a:r>
-            <a:r>
-              <a:rPr lang="en-US" altLang="ko-KR" i="1" dirty="0"/>
-              <a:t>its tickets </a:t>
-            </a:r>
+              <a:t> value</a:t>
+            </a:r>
+          </a:p>
+          <a:p>
+            <a:pPr lvl="1"/>
             <a:r>
               <a:rPr lang="en-US" altLang="ko-KR" dirty="0"/>
-              <a:t>to another process.</a:t>
-            </a:r>
-          </a:p>
-          <a:p>
-            <a:pPr lvl="1"/>
+              <a:t>Example</a:t>
+            </a:r>
+          </a:p>
+          <a:p>
+            <a:pPr lvl="2"/>
+            <a:r>
+              <a:rPr lang="en-US" altLang="ko-KR" dirty="0"/>
+              <a:t>There are 200 tickets (Global Currency)</a:t>
+            </a:r>
+          </a:p>
+          <a:p>
+            <a:pPr lvl="2"/>
+            <a:r>
+              <a:rPr lang="en-US" altLang="ko-KR" dirty="0"/>
+              <a:t>Process A has 100 tickets</a:t>
+            </a:r>
+          </a:p>
+          <a:p>
+            <a:pPr lvl="2"/>
+            <a:r>
+              <a:rPr lang="en-US" altLang="ko-KR" dirty="0"/>
+              <a:t>Process B has 100 tickets</a:t>
+            </a:r>
+          </a:p>
+          <a:p>
+            <a:pPr lvl="2"/>
             <a:endParaRPr lang="en-US" altLang="ko-KR" dirty="0"/>
-          </a:p>
-          <a:p>
-            <a:r>
-              <a:rPr lang="en-US" altLang="ko-KR" dirty="0"/>
-              <a:t>Ticket inflation</a:t>
-            </a:r>
-          </a:p>
-          <a:p>
-            <a:pPr lvl="1"/>
-            <a:r>
-              <a:rPr lang="en-US" altLang="ko-KR" dirty="0"/>
-              <a:t>A process can </a:t>
-            </a:r>
-            <a:r>
-              <a:rPr lang="en-US" altLang="ko-KR" u="sng" dirty="0"/>
-              <a:t>temporarily raise or lower</a:t>
-            </a:r>
-            <a:r>
-              <a:rPr lang="en-US" altLang="ko-KR" dirty="0"/>
-              <a:t> the number of tickets is owns.</a:t>
-            </a:r>
-          </a:p>
-          <a:p>
-            <a:pPr lvl="1"/>
-            <a:r>
-              <a:rPr lang="en-US" altLang="ko-KR" dirty="0"/>
-              <a:t>If any one process needs </a:t>
-            </a:r>
-            <a:r>
-              <a:rPr lang="en-US" altLang="ko-KR" i="1" dirty="0"/>
-              <a:t>more CPU time</a:t>
-            </a:r>
-            <a:r>
-              <a:rPr lang="en-US" altLang="ko-KR" dirty="0"/>
-              <a:t>, it can boost its tickets.</a:t>
-            </a:r>
           </a:p>
           <a:p>
             <a:pPr lvl="1"/>
             <a:endParaRPr lang="ko-KR" altLang="en-US" dirty="0"/>
+          </a:p>
+        </p:txBody>
+      </p:sp>
+      <p:sp>
+        <p:nvSpPr>
+          <p:cNvPr id="6" name="TextBox 5"/>
+          <p:cNvSpPr txBox="1"/>
+          <p:nvPr/>
+        </p:nvSpPr>
+        <p:spPr>
+          <a:xfrm>
+            <a:off x="2792318" y="4653137"/>
+            <a:ext cx="6379695" cy="584775"/>
+          </a:xfrm>
+          <a:prstGeom prst="rect">
+            <a:avLst/>
+          </a:prstGeom>
+          <a:noFill/>
+        </p:spPr>
+        <p:txBody>
+          <a:bodyPr wrap="none" rtlCol="0">
+            <a:spAutoFit/>
+          </a:bodyPr>
+          <a:lstStyle/>
+          <a:p>
+            <a:r>
+              <a:rPr lang="en-US" altLang="ko-KR" sz="1600" b="1" dirty="0">
+                <a:solidFill>
+                  <a:srgbClr val="1F497D"/>
+                </a:solidFill>
+                <a:latin typeface="맑은 고딕" pitchFamily="50" charset="-127"/>
+                <a:ea typeface="맑은 고딕" pitchFamily="50" charset="-127"/>
+              </a:rPr>
+              <a:t>User A</a:t>
+            </a:r>
+            <a:r>
+              <a:rPr lang="en-US" altLang="ko-KR" sz="1600" dirty="0">
+                <a:solidFill>
+                  <a:prstClr val="black"/>
+                </a:solidFill>
+                <a:latin typeface="맑은 고딕" pitchFamily="50" charset="-127"/>
+                <a:ea typeface="맑은 고딕" pitchFamily="50" charset="-127"/>
+              </a:rPr>
+              <a:t>	</a:t>
+            </a:r>
+            <a:r>
+              <a:rPr lang="en-US" altLang="ko-KR" sz="1600" dirty="0">
+                <a:solidFill>
+                  <a:prstClr val="black"/>
+                </a:solidFill>
+                <a:latin typeface="맑은 고딕" pitchFamily="50" charset="-127"/>
+                <a:ea typeface="맑은 고딕" pitchFamily="50" charset="-127"/>
+                <a:sym typeface="Wingdings" pitchFamily="2" charset="2"/>
+              </a:rPr>
+              <a:t> </a:t>
+            </a:r>
+            <a:r>
+              <a:rPr lang="en-US" altLang="ko-KR" sz="1600" i="1" dirty="0">
+                <a:solidFill>
+                  <a:prstClr val="black"/>
+                </a:solidFill>
+                <a:latin typeface="맑은 고딕" pitchFamily="50" charset="-127"/>
+                <a:ea typeface="맑은 고딕" pitchFamily="50" charset="-127"/>
+                <a:sym typeface="Wingdings" pitchFamily="2" charset="2"/>
+              </a:rPr>
+              <a:t>500</a:t>
+            </a:r>
+            <a:r>
+              <a:rPr lang="en-US" altLang="ko-KR" sz="1600" dirty="0">
+                <a:solidFill>
+                  <a:prstClr val="black"/>
+                </a:solidFill>
+                <a:latin typeface="맑은 고딕" pitchFamily="50" charset="-127"/>
+                <a:ea typeface="맑은 고딕" pitchFamily="50" charset="-127"/>
+                <a:sym typeface="Wingdings" pitchFamily="2" charset="2"/>
+              </a:rPr>
+              <a:t> (A’s local currency) to A1   </a:t>
+            </a:r>
+            <a:r>
+              <a:rPr lang="en-US" altLang="ko-KR" sz="1600" i="1" dirty="0">
+                <a:solidFill>
+                  <a:prstClr val="black"/>
+                </a:solidFill>
+                <a:latin typeface="맑은 고딕" pitchFamily="50" charset="-127"/>
+                <a:ea typeface="맑은 고딕" pitchFamily="50" charset="-127"/>
+                <a:sym typeface="Wingdings" pitchFamily="2" charset="2"/>
+              </a:rPr>
+              <a:t>50</a:t>
+            </a:r>
+            <a:r>
+              <a:rPr lang="en-US" altLang="ko-KR" sz="1600" dirty="0">
+                <a:solidFill>
+                  <a:prstClr val="black"/>
+                </a:solidFill>
+                <a:latin typeface="맑은 고딕" pitchFamily="50" charset="-127"/>
+                <a:ea typeface="맑은 고딕" pitchFamily="50" charset="-127"/>
+                <a:sym typeface="Wingdings" pitchFamily="2" charset="2"/>
+              </a:rPr>
+              <a:t> (global currency)</a:t>
+            </a:r>
+          </a:p>
+          <a:p>
+            <a:r>
+              <a:rPr lang="en-US" altLang="ko-KR" sz="1600" dirty="0">
+                <a:solidFill>
+                  <a:prstClr val="black"/>
+                </a:solidFill>
+                <a:latin typeface="맑은 고딕" pitchFamily="50" charset="-127"/>
+                <a:ea typeface="맑은 고딕" pitchFamily="50" charset="-127"/>
+                <a:sym typeface="Wingdings" pitchFamily="2" charset="2"/>
+              </a:rPr>
+              <a:t>	 </a:t>
+            </a:r>
+            <a:r>
+              <a:rPr lang="en-US" altLang="ko-KR" sz="1600" i="1" dirty="0">
+                <a:solidFill>
+                  <a:prstClr val="black"/>
+                </a:solidFill>
+                <a:latin typeface="맑은 고딕" pitchFamily="50" charset="-127"/>
+                <a:ea typeface="맑은 고딕" pitchFamily="50" charset="-127"/>
+                <a:sym typeface="Wingdings" pitchFamily="2" charset="2"/>
+              </a:rPr>
+              <a:t>500 </a:t>
+            </a:r>
+            <a:r>
+              <a:rPr lang="en-US" altLang="ko-KR" sz="1600" dirty="0">
+                <a:solidFill>
+                  <a:prstClr val="black"/>
+                </a:solidFill>
+                <a:latin typeface="맑은 고딕" pitchFamily="50" charset="-127"/>
+                <a:ea typeface="맑은 고딕" pitchFamily="50" charset="-127"/>
+                <a:sym typeface="Wingdings" pitchFamily="2" charset="2"/>
+              </a:rPr>
+              <a:t>(A’s local currency) to A2   </a:t>
+            </a:r>
+            <a:r>
+              <a:rPr lang="en-US" altLang="ko-KR" sz="1600" i="1" dirty="0">
+                <a:solidFill>
+                  <a:prstClr val="black"/>
+                </a:solidFill>
+                <a:latin typeface="맑은 고딕" pitchFamily="50" charset="-127"/>
+                <a:ea typeface="맑은 고딕" pitchFamily="50" charset="-127"/>
+                <a:sym typeface="Wingdings" pitchFamily="2" charset="2"/>
+              </a:rPr>
+              <a:t>50 </a:t>
+            </a:r>
+            <a:r>
+              <a:rPr lang="en-US" altLang="ko-KR" sz="1600" dirty="0">
+                <a:solidFill>
+                  <a:prstClr val="black"/>
+                </a:solidFill>
+                <a:latin typeface="맑은 고딕" pitchFamily="50" charset="-127"/>
+                <a:ea typeface="맑은 고딕" pitchFamily="50" charset="-127"/>
+                <a:sym typeface="Wingdings" pitchFamily="2" charset="2"/>
+              </a:rPr>
+              <a:t>(global currency)</a:t>
+            </a:r>
+          </a:p>
+        </p:txBody>
+      </p:sp>
+      <p:sp>
+        <p:nvSpPr>
+          <p:cNvPr id="7" name="TextBox 6"/>
+          <p:cNvSpPr txBox="1"/>
+          <p:nvPr/>
+        </p:nvSpPr>
+        <p:spPr>
+          <a:xfrm>
+            <a:off x="2819950" y="5435932"/>
+            <a:ext cx="6371681" cy="338554"/>
+          </a:xfrm>
+          <a:prstGeom prst="rect">
+            <a:avLst/>
+          </a:prstGeom>
+          <a:noFill/>
+        </p:spPr>
+        <p:txBody>
+          <a:bodyPr wrap="none" rtlCol="0">
+            <a:spAutoFit/>
+          </a:bodyPr>
+          <a:lstStyle/>
+          <a:p>
+            <a:r>
+              <a:rPr lang="en-US" altLang="ko-KR" sz="1600" b="1" dirty="0">
+                <a:solidFill>
+                  <a:srgbClr val="1F497D"/>
+                </a:solidFill>
+                <a:latin typeface="맑은 고딕" pitchFamily="50" charset="-127"/>
+                <a:ea typeface="맑은 고딕" pitchFamily="50" charset="-127"/>
+              </a:rPr>
+              <a:t>User B</a:t>
+            </a:r>
+            <a:r>
+              <a:rPr lang="en-US" altLang="ko-KR" sz="1600" dirty="0">
+                <a:solidFill>
+                  <a:prstClr val="black"/>
+                </a:solidFill>
+                <a:latin typeface="맑은 고딕" pitchFamily="50" charset="-127"/>
+                <a:ea typeface="맑은 고딕" pitchFamily="50" charset="-127"/>
+              </a:rPr>
+              <a:t>	</a:t>
+            </a:r>
+            <a:r>
+              <a:rPr lang="en-US" altLang="ko-KR" sz="1600" dirty="0">
+                <a:solidFill>
+                  <a:prstClr val="black"/>
+                </a:solidFill>
+                <a:latin typeface="맑은 고딕" pitchFamily="50" charset="-127"/>
+                <a:ea typeface="맑은 고딕" pitchFamily="50" charset="-127"/>
+                <a:sym typeface="Wingdings" pitchFamily="2" charset="2"/>
+              </a:rPr>
+              <a:t>  </a:t>
+            </a:r>
+            <a:r>
+              <a:rPr lang="en-US" altLang="ko-KR" sz="1600" i="1" dirty="0">
+                <a:solidFill>
+                  <a:prstClr val="black"/>
+                </a:solidFill>
+                <a:latin typeface="맑은 고딕" pitchFamily="50" charset="-127"/>
+                <a:ea typeface="맑은 고딕" pitchFamily="50" charset="-127"/>
+                <a:sym typeface="Wingdings" pitchFamily="2" charset="2"/>
+              </a:rPr>
+              <a:t>10</a:t>
+            </a:r>
+            <a:r>
+              <a:rPr lang="en-US" altLang="ko-KR" sz="1600" dirty="0">
+                <a:solidFill>
+                  <a:prstClr val="black"/>
+                </a:solidFill>
+                <a:latin typeface="맑은 고딕" pitchFamily="50" charset="-127"/>
+                <a:ea typeface="맑은 고딕" pitchFamily="50" charset="-127"/>
+                <a:sym typeface="Wingdings" pitchFamily="2" charset="2"/>
+              </a:rPr>
+              <a:t> (B’s local currency) to B1  </a:t>
+            </a:r>
+            <a:r>
+              <a:rPr lang="en-US" altLang="ko-KR" sz="1600" i="1" dirty="0">
+                <a:solidFill>
+                  <a:prstClr val="black"/>
+                </a:solidFill>
+                <a:latin typeface="맑은 고딕" pitchFamily="50" charset="-127"/>
+                <a:ea typeface="맑은 고딕" pitchFamily="50" charset="-127"/>
+                <a:sym typeface="Wingdings" pitchFamily="2" charset="2"/>
+              </a:rPr>
+              <a:t>100</a:t>
+            </a:r>
+            <a:r>
+              <a:rPr lang="en-US" altLang="ko-KR" sz="1600" dirty="0">
+                <a:solidFill>
+                  <a:prstClr val="black"/>
+                </a:solidFill>
+                <a:latin typeface="맑은 고딕" pitchFamily="50" charset="-127"/>
+                <a:ea typeface="맑은 고딕" pitchFamily="50" charset="-127"/>
+                <a:sym typeface="Wingdings" pitchFamily="2" charset="2"/>
+              </a:rPr>
+              <a:t> (global currency)</a:t>
+            </a:r>
           </a:p>
         </p:txBody>
       </p:sp>
     </p:spTree>
     <p:extLst>
       <p:ext uri="{BB962C8B-B14F-4D97-AF65-F5344CB8AC3E}">
-        <p14:creationId xmlns:p14="http://schemas.microsoft.com/office/powerpoint/2010/main" val="493289673"/>
+        <p14:creationId xmlns:p14="http://schemas.microsoft.com/office/powerpoint/2010/main" val="3702314776"/>
       </p:ext>
     </p:extLst>
   </p:cSld>

--- a/cmsc125/ostep/slides/01.Virtualization/09.Scheduling_Proportional_Share.pptx
+++ b/cmsc125/ostep/slides/01.Virtualization/09.Scheduling_Proportional_Share.pptx
@@ -5,7 +5,7 @@
     <p:sldMasterId id="2147483670" r:id="rId1"/>
   </p:sldMasterIdLst>
   <p:notesMasterIdLst>
-    <p:notesMasterId r:id="rId25"/>
+    <p:notesMasterId r:id="rId26"/>
   </p:notesMasterIdLst>
   <p:sldIdLst>
     <p:sldId id="298" r:id="rId2"/>
@@ -31,6 +31,7 @@
     <p:sldId id="306" r:id="rId22"/>
     <p:sldId id="307" r:id="rId23"/>
     <p:sldId id="308" r:id="rId24"/>
+    <p:sldId id="309" r:id="rId25"/>
   </p:sldIdLst>
   <p:sldSz cx="12192000" cy="6858000"/>
   <p:notesSz cx="6797675" cy="9928225"/>
@@ -312,7 +313,7 @@
           <a:p>
             <a:fld id="{050F0499-AE52-4672-879B-3107B2FC2A9F}" type="datetimeFigureOut">
               <a:rPr lang="ko-KR" altLang="en-US" smtClean="0"/>
-              <a:t>2021-09-01</a:t>
+              <a:t>2021-09-04</a:t>
             </a:fld>
             <a:endParaRPr lang="ko-KR" altLang="en-US"/>
           </a:p>
@@ -1877,7 +1878,7 @@
           <a:p>
             <a:r>
               <a:rPr lang="en-US" altLang="ko-KR" b="1" dirty="0"/>
-              <a:t>#3: Ticket inflation</a:t>
+              <a:t>#3: Ticket Inflation</a:t>
             </a:r>
           </a:p>
           <a:p>
@@ -1914,7 +1915,7 @@
             <a:pPr lvl="1"/>
             <a:r>
               <a:rPr lang="en-US" altLang="ko-KR" dirty="0"/>
-              <a:t>Assumes that a group of processes trust each other</a:t>
+              <a:t>Assumes that a group of processes trust each other to prevent abuse</a:t>
             </a:r>
             <a:endParaRPr lang="ko-KR" altLang="en-US" dirty="0"/>
           </a:p>
@@ -3326,6 +3327,14 @@
             <p:txBody>
               <a:bodyPr/>
               <a:lstStyle/>
+              <a:p>
+                <a:r>
+                  <a:rPr lang="en-US" altLang="ko-KR" dirty="0">
+                    <a:cs typeface="Courier New" pitchFamily="49" charset="0"/>
+                  </a:rPr>
+                  <a:t>How to evaluate?</a:t>
+                </a:r>
+              </a:p>
               <a:p>
                 <a:r>
                   <a:rPr lang="en-US" altLang="ko-KR" dirty="0">
@@ -3585,7 +3594,7 @@
             <a:pPr lvl="1"/>
             <a:r>
               <a:rPr lang="en-US" altLang="ko-KR" dirty="0"/>
-              <a:t>Two processes with run time </a:t>
+              <a:t>Two processes with run time(job length) </a:t>
             </a:r>
             <a:r>
               <a:rPr lang="en-US" altLang="ko-KR" dirty="0">
@@ -3596,14 +3605,14 @@
             </a:r>
             <a:r>
               <a:rPr lang="en-US" altLang="ko-KR" dirty="0"/>
-              <a:t> ranging from 1 to 1000. Over thirty(30) trials.</a:t>
+              <a:t> ranging from 1 to 1000. Over thirty(30) trials</a:t>
             </a:r>
           </a:p>
           <a:p>
             <a:pPr lvl="1"/>
             <a:r>
               <a:rPr lang="en-US" altLang="ko-KR" dirty="0"/>
-              <a:t>Each process has the same number of tickets (100).</a:t>
+              <a:t>Each process has the same number of tickets (100)</a:t>
             </a:r>
           </a:p>
           <a:p>
@@ -3826,7 +3835,11 @@
           <a:p>
             <a:r>
               <a:rPr lang="en-US" dirty="0"/>
-              <a:t>One approach is to assumes that users know best, thus let them assign tickets</a:t>
+              <a:t>One approach is to assume that users know best, </a:t>
+            </a:r>
+            <a:r>
+              <a:rPr lang="en-US" u="sng" dirty="0"/>
+              <a:t>thus let users assign tickets</a:t>
             </a:r>
           </a:p>
           <a:p>
@@ -3888,7 +3901,7 @@
           <a:p>
             <a:r>
               <a:rPr lang="en-US" altLang="ko-KR" dirty="0"/>
-              <a:t>Stride Scheduling</a:t>
+              <a:t>Approach #2: Stride Scheduling</a:t>
             </a:r>
             <a:endParaRPr lang="ko-KR" altLang="en-US" dirty="0"/>
           </a:p>
@@ -3917,7 +3930,15 @@
           <a:p>
             <a:r>
               <a:rPr lang="en-US" altLang="ko-KR" dirty="0"/>
-              <a:t>A deterministic fair-share scheduler invented by </a:t>
+              <a:t>A </a:t>
+            </a:r>
+            <a:r>
+              <a:rPr lang="en-US" altLang="ko-KR" u="sng" dirty="0"/>
+              <a:t>deterministic fair-share scheduler</a:t>
+            </a:r>
+            <a:r>
+              <a:rPr lang="en-US" altLang="ko-KR" dirty="0"/>
+              <a:t> invented by </a:t>
             </a:r>
             <a:r>
               <a:rPr lang="en-US" altLang="ko-KR" dirty="0" err="1"/>
@@ -5338,7 +5359,7 @@
                 <a:latin typeface="맑은 고딕" panose="020B0503020000020004" pitchFamily="50" charset="-127"/>
                 <a:ea typeface="맑은 고딕" panose="020B0503020000020004" pitchFamily="50" charset="-127"/>
               </a:rPr>
-              <a:t>If new job enters with pass value 0,</a:t>
+              <a:t>If new process enters with Pass value 0,</a:t>
             </a:r>
             <a:endParaRPr lang="en-US" altLang="ko-KR" sz="1600" b="1" dirty="0">
               <a:solidFill>
@@ -5360,7 +5381,7 @@
                 <a:ea typeface="맑은 고딕" panose="020B0503020000020004" pitchFamily="50" charset="-127"/>
                 <a:sym typeface="Wingdings" pitchFamily="2" charset="2"/>
               </a:rPr>
-              <a:t>It will </a:t>
+              <a:t>it will </a:t>
             </a:r>
             <a:r>
               <a:rPr lang="en-US" altLang="ko-KR" sz="1600" b="1" dirty="0">
@@ -5407,7 +5428,7 @@
                 <a:ea typeface="맑은 고딕" panose="020B0503020000020004" pitchFamily="50" charset="-127"/>
                 <a:sym typeface="Wingdings" pitchFamily="2" charset="2"/>
               </a:rPr>
-              <a:t>Lottery is still better since there is no global state per process.</a:t>
+              <a:t>Lottery is still better since there is no global state to be maintained per process.</a:t>
             </a:r>
             <a:endParaRPr lang="en-US" altLang="ko-KR" sz="1600" b="1" dirty="0">
               <a:solidFill>
@@ -5595,13 +5616,13 @@
               <a:rPr lang="en-US" dirty="0">
                 <a:latin typeface="Oswald" pitchFamily="2" charset="0"/>
               </a:rPr>
-              <a:t>Arbitrarily     chose</a:t>
+              <a:t>Arbitrarily chose</a:t>
             </a:r>
             <a:r>
               <a:rPr lang="en-PH" dirty="0">
                 <a:latin typeface="Oswald" pitchFamily="2" charset="0"/>
               </a:rPr>
-              <a:t>n at the start since all Passes are 0 initially</a:t>
+              <a:t>n at the start since all Pass are 0       initially</a:t>
             </a:r>
             <a:endParaRPr lang="en-US" dirty="0">
               <a:latin typeface="Oswald" pitchFamily="2" charset="0"/>
@@ -5664,6 +5685,10 @@
           <a:lstStyle/>
           <a:p>
             <a:r>
+              <a:rPr lang="en-US" altLang="ko-KR" dirty="0"/>
+              <a:t>Approach #3: </a:t>
+            </a:r>
+            <a:r>
               <a:rPr lang="en-US" dirty="0"/>
               <a:t>Linux Completely Fair Scheduler (CFS)</a:t>
             </a:r>
@@ -5726,7 +5751,15 @@
             </a:r>
             <a:r>
               <a:rPr lang="en-US" dirty="0"/>
-              <a:t> increases (may increase at the same rate as physical time)</a:t>
+              <a:t> increases (</a:t>
+            </a:r>
+            <a:r>
+              <a:rPr lang="en-US" i="1" dirty="0"/>
+              <a:t>may increase at the same rate as physical time </a:t>
+            </a:r>
+            <a:r>
+              <a:rPr lang="en-US" dirty="0"/>
+              <a:t>)</a:t>
             </a:r>
           </a:p>
           <a:p>
@@ -7153,7 +7186,15 @@
             </a:r>
             <a:r>
               <a:rPr lang="en-US" dirty="0"/>
-              <a:t> has not been updated for a while</a:t>
+              <a:t> has not been updated for a </a:t>
+            </a:r>
+            <a:r>
+              <a:rPr lang="en-US" dirty="0" err="1"/>
+              <a:t>while,thus</a:t>
+            </a:r>
+            <a:r>
+              <a:rPr lang="en-US" dirty="0"/>
+              <a:t> small</a:t>
             </a:r>
           </a:p>
           <a:p>
@@ -7168,10 +7209,14 @@
             </a:r>
             <a:r>
               <a:rPr lang="en-US" dirty="0"/>
-              <a:t> of the newly awaken process by setting it to the minimum </a:t>
-            </a:r>
-            <a:r>
-              <a:rPr lang="en-US" dirty="0" err="1"/>
+              <a:t> of the newly awaken process by setting it to the </a:t>
+            </a:r>
+            <a:r>
+              <a:rPr lang="en-US" u="sng" dirty="0"/>
+              <a:t>minimum </a:t>
+            </a:r>
+            <a:r>
+              <a:rPr lang="en-US" u="sng" dirty="0" err="1"/>
               <a:t>vruntime</a:t>
             </a:r>
             <a:r>
@@ -7223,6 +7268,432 @@
     <p:extLst>
       <p:ext uri="{BB962C8B-B14F-4D97-AF65-F5344CB8AC3E}">
         <p14:creationId xmlns:p14="http://schemas.microsoft.com/office/powerpoint/2010/main" val="3569933265"/>
+      </p:ext>
+    </p:extLst>
+  </p:cSld>
+  <p:clrMapOvr>
+    <a:masterClrMapping/>
+  </p:clrMapOvr>
+  <p:transition>
+    <p:zoom/>
+  </p:transition>
+</p:sld>
+</file>
+
+<file path=ppt/slides/slide24.xml><?xml version="1.0" encoding="utf-8"?>
+<p:sld xmlns:a="http://schemas.openxmlformats.org/drawingml/2006/main" xmlns:r="http://schemas.openxmlformats.org/officeDocument/2006/relationships" xmlns:p="http://schemas.openxmlformats.org/presentationml/2006/main">
+  <p:cSld>
+    <p:spTree>
+      <p:nvGrpSpPr>
+        <p:cNvPr id="1" name=""/>
+        <p:cNvGrpSpPr/>
+        <p:nvPr/>
+      </p:nvGrpSpPr>
+      <p:grpSpPr>
+        <a:xfrm>
+          <a:off x="0" y="0"/>
+          <a:ext cx="0" cy="0"/>
+          <a:chOff x="0" y="0"/>
+          <a:chExt cx="0" cy="0"/>
+        </a:xfrm>
+      </p:grpSpPr>
+      <p:sp>
+        <p:nvSpPr>
+          <p:cNvPr id="3" name="Title 2">
+            <a:extLst>
+              <a:ext uri="{FF2B5EF4-FFF2-40B4-BE49-F238E27FC236}">
+                <a16:creationId xmlns:a16="http://schemas.microsoft.com/office/drawing/2014/main" id="{6D1F60D4-F89D-4B0D-B209-619CC5C2FFE0}"/>
+              </a:ext>
+            </a:extLst>
+          </p:cNvPr>
+          <p:cNvSpPr>
+            <a:spLocks noGrp="1"/>
+          </p:cNvSpPr>
+          <p:nvPr>
+            <p:ph type="title"/>
+          </p:nvPr>
+        </p:nvSpPr>
+        <p:spPr/>
+        <p:txBody>
+          <a:bodyPr/>
+          <a:lstStyle/>
+          <a:p>
+            <a:r>
+              <a:rPr lang="en-US" dirty="0"/>
+              <a:t>Linux Commands</a:t>
+            </a:r>
+            <a:endParaRPr lang="en-PH" dirty="0"/>
+          </a:p>
+        </p:txBody>
+      </p:sp>
+      <p:sp>
+        <p:nvSpPr>
+          <p:cNvPr id="4" name="Content Placeholder 3">
+            <a:extLst>
+              <a:ext uri="{FF2B5EF4-FFF2-40B4-BE49-F238E27FC236}">
+                <a16:creationId xmlns:a16="http://schemas.microsoft.com/office/drawing/2014/main" id="{6E270191-B70E-4C1D-90F4-6DD627DAD3B8}"/>
+              </a:ext>
+            </a:extLst>
+          </p:cNvPr>
+          <p:cNvSpPr>
+            <a:spLocks noGrp="1"/>
+          </p:cNvSpPr>
+          <p:nvPr>
+            <p:ph idx="1"/>
+          </p:nvPr>
+        </p:nvSpPr>
+        <p:spPr/>
+        <p:txBody>
+          <a:bodyPr/>
+          <a:lstStyle/>
+          <a:p>
+            <a:r>
+              <a:rPr lang="en-US" sz="1600" dirty="0">
+                <a:latin typeface="Courier New" panose="02070309020205020404" pitchFamily="49" charset="0"/>
+                <a:cs typeface="Courier New" panose="02070309020205020404" pitchFamily="49" charset="0"/>
+              </a:rPr>
+              <a:t>man sched</a:t>
+            </a:r>
+          </a:p>
+          <a:p>
+            <a:r>
+              <a:rPr lang="en-US" sz="1600" dirty="0" err="1">
+                <a:latin typeface="Courier New" panose="02070309020205020404" pitchFamily="49" charset="0"/>
+                <a:cs typeface="Courier New" panose="02070309020205020404" pitchFamily="49" charset="0"/>
+              </a:rPr>
+              <a:t>sysctl</a:t>
+            </a:r>
+            <a:r>
+              <a:rPr lang="en-US" sz="1600" dirty="0">
+                <a:latin typeface="Courier New" panose="02070309020205020404" pitchFamily="49" charset="0"/>
+                <a:cs typeface="Courier New" panose="02070309020205020404" pitchFamily="49" charset="0"/>
+              </a:rPr>
+              <a:t> -A | grep "sched" | grep –v "domain"</a:t>
+            </a:r>
+          </a:p>
+          <a:p>
+            <a:r>
+              <a:rPr lang="en-US" sz="1600" dirty="0" err="1">
+                <a:latin typeface="Courier New" panose="02070309020205020404" pitchFamily="49" charset="0"/>
+                <a:cs typeface="Courier New" panose="02070309020205020404" pitchFamily="49" charset="0"/>
+              </a:rPr>
+              <a:t>sudo</a:t>
+            </a:r>
+            <a:r>
+              <a:rPr lang="en-US" sz="1600" dirty="0">
+                <a:latin typeface="Courier New" panose="02070309020205020404" pitchFamily="49" charset="0"/>
+                <a:cs typeface="Courier New" panose="02070309020205020404" pitchFamily="49" charset="0"/>
+              </a:rPr>
+              <a:t> nice –-10 ./</a:t>
+            </a:r>
+            <a:r>
+              <a:rPr lang="en-US" sz="1600" dirty="0" err="1">
+                <a:latin typeface="Courier New" panose="02070309020205020404" pitchFamily="49" charset="0"/>
+                <a:cs typeface="Courier New" panose="02070309020205020404" pitchFamily="49" charset="0"/>
+              </a:rPr>
+              <a:t>cpu.elf</a:t>
+            </a:r>
+            <a:endParaRPr lang="en-US" sz="1600" dirty="0">
+              <a:latin typeface="Courier New" panose="02070309020205020404" pitchFamily="49" charset="0"/>
+              <a:cs typeface="Courier New" panose="02070309020205020404" pitchFamily="49" charset="0"/>
+            </a:endParaRPr>
+          </a:p>
+          <a:p>
+            <a:r>
+              <a:rPr lang="en-US" sz="1600" dirty="0" err="1">
+                <a:latin typeface="Courier New" panose="02070309020205020404" pitchFamily="49" charset="0"/>
+                <a:cs typeface="Courier New" panose="02070309020205020404" pitchFamily="49" charset="0"/>
+              </a:rPr>
+              <a:t>ps</a:t>
+            </a:r>
+            <a:r>
+              <a:rPr lang="en-US" sz="1600" dirty="0">
+                <a:latin typeface="Courier New" panose="02070309020205020404" pitchFamily="49" charset="0"/>
+                <a:cs typeface="Courier New" panose="02070309020205020404" pitchFamily="49" charset="0"/>
+              </a:rPr>
+              <a:t> -l -p `</a:t>
+            </a:r>
+            <a:r>
+              <a:rPr lang="en-US" sz="1600" dirty="0" err="1">
+                <a:latin typeface="Courier New" panose="02070309020205020404" pitchFamily="49" charset="0"/>
+                <a:cs typeface="Courier New" panose="02070309020205020404" pitchFamily="49" charset="0"/>
+              </a:rPr>
+              <a:t>pidof</a:t>
+            </a:r>
+            <a:r>
+              <a:rPr lang="en-US" sz="1600" dirty="0">
+                <a:latin typeface="Courier New" panose="02070309020205020404" pitchFamily="49" charset="0"/>
+                <a:cs typeface="Courier New" panose="02070309020205020404" pitchFamily="49" charset="0"/>
+              </a:rPr>
+              <a:t> </a:t>
+            </a:r>
+            <a:r>
+              <a:rPr lang="en-US" sz="1600" dirty="0" err="1">
+                <a:latin typeface="Courier New" panose="02070309020205020404" pitchFamily="49" charset="0"/>
+                <a:cs typeface="Courier New" panose="02070309020205020404" pitchFamily="49" charset="0"/>
+              </a:rPr>
+              <a:t>cpu.elf</a:t>
+            </a:r>
+            <a:r>
+              <a:rPr lang="en-US" sz="1600" dirty="0">
+                <a:latin typeface="Courier New" panose="02070309020205020404" pitchFamily="49" charset="0"/>
+                <a:cs typeface="Courier New" panose="02070309020205020404" pitchFamily="49" charset="0"/>
+              </a:rPr>
+              <a:t>`</a:t>
+            </a:r>
+          </a:p>
+          <a:p>
+            <a:r>
+              <a:rPr lang="en-US" sz="1600" dirty="0">
+                <a:latin typeface="Courier New" panose="02070309020205020404" pitchFamily="49" charset="0"/>
+                <a:cs typeface="Courier New" panose="02070309020205020404" pitchFamily="49" charset="0"/>
+              </a:rPr>
+              <a:t>cat /proc/</a:t>
+            </a:r>
+            <a:r>
+              <a:rPr lang="en-US" sz="1600" dirty="0" err="1">
+                <a:latin typeface="Courier New" panose="02070309020205020404" pitchFamily="49" charset="0"/>
+                <a:cs typeface="Courier New" panose="02070309020205020404" pitchFamily="49" charset="0"/>
+              </a:rPr>
+              <a:t>sched_debug</a:t>
+            </a:r>
+            <a:endParaRPr lang="en-US" sz="1600" dirty="0">
+              <a:latin typeface="Courier New" panose="02070309020205020404" pitchFamily="49" charset="0"/>
+              <a:cs typeface="Courier New" panose="02070309020205020404" pitchFamily="49" charset="0"/>
+            </a:endParaRPr>
+          </a:p>
+          <a:p>
+            <a:r>
+              <a:rPr lang="en-US" sz="1600" dirty="0">
+                <a:latin typeface="Courier New" panose="02070309020205020404" pitchFamily="49" charset="0"/>
+                <a:cs typeface="Courier New" panose="02070309020205020404" pitchFamily="49" charset="0"/>
+              </a:rPr>
+              <a:t>cat /proc/</a:t>
+            </a:r>
+            <a:r>
+              <a:rPr lang="en-US" sz="1600" dirty="0" err="1">
+                <a:latin typeface="Courier New" panose="02070309020205020404" pitchFamily="49" charset="0"/>
+                <a:cs typeface="Courier New" panose="02070309020205020404" pitchFamily="49" charset="0"/>
+              </a:rPr>
+              <a:t>schedstat</a:t>
+            </a:r>
+            <a:endParaRPr lang="en-US" sz="1600" dirty="0">
+              <a:latin typeface="Courier New" panose="02070309020205020404" pitchFamily="49" charset="0"/>
+              <a:cs typeface="Courier New" panose="02070309020205020404" pitchFamily="49" charset="0"/>
+            </a:endParaRPr>
+          </a:p>
+          <a:p>
+            <a:r>
+              <a:rPr lang="en-US" sz="1600" dirty="0">
+                <a:latin typeface="Courier New" panose="02070309020205020404" pitchFamily="49" charset="0"/>
+                <a:cs typeface="Courier New" panose="02070309020205020404" pitchFamily="49" charset="0"/>
+              </a:rPr>
+              <a:t>cat /proc/`</a:t>
+            </a:r>
+            <a:r>
+              <a:rPr lang="en-US" sz="1600" dirty="0" err="1">
+                <a:latin typeface="Courier New" panose="02070309020205020404" pitchFamily="49" charset="0"/>
+                <a:cs typeface="Courier New" panose="02070309020205020404" pitchFamily="49" charset="0"/>
+              </a:rPr>
+              <a:t>pidof</a:t>
+            </a:r>
+            <a:r>
+              <a:rPr lang="en-US" sz="1600" dirty="0">
+                <a:latin typeface="Courier New" panose="02070309020205020404" pitchFamily="49" charset="0"/>
+                <a:cs typeface="Courier New" panose="02070309020205020404" pitchFamily="49" charset="0"/>
+              </a:rPr>
+              <a:t> </a:t>
+            </a:r>
+            <a:r>
+              <a:rPr lang="en-US" sz="1600" dirty="0" err="1">
+                <a:latin typeface="Courier New" panose="02070309020205020404" pitchFamily="49" charset="0"/>
+                <a:cs typeface="Courier New" panose="02070309020205020404" pitchFamily="49" charset="0"/>
+              </a:rPr>
+              <a:t>cpu.elf</a:t>
+            </a:r>
+            <a:r>
+              <a:rPr lang="en-US" sz="1600" dirty="0">
+                <a:latin typeface="Courier New" panose="02070309020205020404" pitchFamily="49" charset="0"/>
+                <a:cs typeface="Courier New" panose="02070309020205020404" pitchFamily="49" charset="0"/>
+              </a:rPr>
+              <a:t>`/sched</a:t>
+            </a:r>
+            <a:endParaRPr lang="pt-BR" sz="1600" dirty="0">
+              <a:latin typeface="Courier New" panose="02070309020205020404" pitchFamily="49" charset="0"/>
+              <a:cs typeface="Courier New" panose="02070309020205020404" pitchFamily="49" charset="0"/>
+            </a:endParaRPr>
+          </a:p>
+          <a:p>
+            <a:r>
+              <a:rPr lang="pt-BR" sz="1600" dirty="0">
+                <a:latin typeface="Courier New" panose="02070309020205020404" pitchFamily="49" charset="0"/>
+                <a:cs typeface="Courier New" panose="02070309020205020404" pitchFamily="49" charset="0"/>
+              </a:rPr>
+              <a:t>sudo renice -n -20 -p `pidof cpu.elf`</a:t>
+            </a:r>
+            <a:r>
+              <a:rPr lang="en-US" sz="1600" dirty="0">
+                <a:latin typeface="Courier New" panose="02070309020205020404" pitchFamily="49" charset="0"/>
+                <a:cs typeface="Courier New" panose="02070309020205020404" pitchFamily="49" charset="0"/>
+              </a:rPr>
+              <a:t> </a:t>
+            </a:r>
+          </a:p>
+          <a:p>
+            <a:r>
+              <a:rPr lang="en-US" sz="1600" dirty="0" err="1">
+                <a:latin typeface="Courier New" panose="02070309020205020404" pitchFamily="49" charset="0"/>
+                <a:cs typeface="Courier New" panose="02070309020205020404" pitchFamily="49" charset="0"/>
+              </a:rPr>
+              <a:t>sudo</a:t>
+            </a:r>
+            <a:r>
+              <a:rPr lang="en-US" sz="1600" dirty="0">
+                <a:latin typeface="Courier New" panose="02070309020205020404" pitchFamily="49" charset="0"/>
+                <a:cs typeface="Courier New" panose="02070309020205020404" pitchFamily="49" charset="0"/>
+              </a:rPr>
+              <a:t> </a:t>
+            </a:r>
+            <a:r>
+              <a:rPr lang="en-US" sz="1600" dirty="0" err="1">
+                <a:latin typeface="Courier New" panose="02070309020205020404" pitchFamily="49" charset="0"/>
+                <a:cs typeface="Courier New" panose="02070309020205020404" pitchFamily="49" charset="0"/>
+              </a:rPr>
+              <a:t>chrt</a:t>
+            </a:r>
+            <a:r>
+              <a:rPr lang="en-US" sz="1600" dirty="0">
+                <a:latin typeface="Courier New" panose="02070309020205020404" pitchFamily="49" charset="0"/>
+                <a:cs typeface="Courier New" panose="02070309020205020404" pitchFamily="49" charset="0"/>
+              </a:rPr>
+              <a:t> -r -p 40 `</a:t>
+            </a:r>
+            <a:r>
+              <a:rPr lang="en-US" sz="1600" dirty="0" err="1">
+                <a:latin typeface="Courier New" panose="02070309020205020404" pitchFamily="49" charset="0"/>
+                <a:cs typeface="Courier New" panose="02070309020205020404" pitchFamily="49" charset="0"/>
+              </a:rPr>
+              <a:t>pidof</a:t>
+            </a:r>
+            <a:r>
+              <a:rPr lang="en-US" sz="1600" dirty="0">
+                <a:latin typeface="Courier New" panose="02070309020205020404" pitchFamily="49" charset="0"/>
+                <a:cs typeface="Courier New" panose="02070309020205020404" pitchFamily="49" charset="0"/>
+              </a:rPr>
+              <a:t> </a:t>
+            </a:r>
+            <a:r>
+              <a:rPr lang="en-US" sz="1600" dirty="0" err="1">
+                <a:latin typeface="Courier New" panose="02070309020205020404" pitchFamily="49" charset="0"/>
+                <a:cs typeface="Courier New" panose="02070309020205020404" pitchFamily="49" charset="0"/>
+              </a:rPr>
+              <a:t>cpu.elf</a:t>
+            </a:r>
+            <a:r>
+              <a:rPr lang="en-US" sz="1600" dirty="0">
+                <a:latin typeface="Courier New" panose="02070309020205020404" pitchFamily="49" charset="0"/>
+                <a:cs typeface="Courier New" panose="02070309020205020404" pitchFamily="49" charset="0"/>
+              </a:rPr>
+              <a:t>`</a:t>
+            </a:r>
+          </a:p>
+          <a:p>
+            <a:r>
+              <a:rPr lang="en-US" sz="1600" dirty="0" err="1">
+                <a:latin typeface="Courier New" panose="02070309020205020404" pitchFamily="49" charset="0"/>
+                <a:cs typeface="Courier New" panose="02070309020205020404" pitchFamily="49" charset="0"/>
+              </a:rPr>
+              <a:t>sudo</a:t>
+            </a:r>
+            <a:r>
+              <a:rPr lang="en-US" sz="1600" dirty="0">
+                <a:latin typeface="Courier New" panose="02070309020205020404" pitchFamily="49" charset="0"/>
+                <a:cs typeface="Courier New" panose="02070309020205020404" pitchFamily="49" charset="0"/>
+              </a:rPr>
+              <a:t> </a:t>
+            </a:r>
+            <a:r>
+              <a:rPr lang="en-US" sz="1600" dirty="0" err="1">
+                <a:latin typeface="Courier New" panose="02070309020205020404" pitchFamily="49" charset="0"/>
+                <a:cs typeface="Courier New" panose="02070309020205020404" pitchFamily="49" charset="0"/>
+              </a:rPr>
+              <a:t>chrt</a:t>
+            </a:r>
+            <a:r>
+              <a:rPr lang="en-US" sz="1600" dirty="0">
+                <a:latin typeface="Courier New" panose="02070309020205020404" pitchFamily="49" charset="0"/>
+                <a:cs typeface="Courier New" panose="02070309020205020404" pitchFamily="49" charset="0"/>
+              </a:rPr>
+              <a:t> -o -p 0 `</a:t>
+            </a:r>
+            <a:r>
+              <a:rPr lang="en-US" sz="1600" dirty="0" err="1">
+                <a:latin typeface="Courier New" panose="02070309020205020404" pitchFamily="49" charset="0"/>
+                <a:cs typeface="Courier New" panose="02070309020205020404" pitchFamily="49" charset="0"/>
+              </a:rPr>
+              <a:t>pidof</a:t>
+            </a:r>
+            <a:r>
+              <a:rPr lang="en-US" sz="1600" dirty="0">
+                <a:latin typeface="Courier New" panose="02070309020205020404" pitchFamily="49" charset="0"/>
+                <a:cs typeface="Courier New" panose="02070309020205020404" pitchFamily="49" charset="0"/>
+              </a:rPr>
+              <a:t> </a:t>
+            </a:r>
+            <a:r>
+              <a:rPr lang="en-US" sz="1600" dirty="0" err="1">
+                <a:latin typeface="Courier New" panose="02070309020205020404" pitchFamily="49" charset="0"/>
+                <a:cs typeface="Courier New" panose="02070309020205020404" pitchFamily="49" charset="0"/>
+              </a:rPr>
+              <a:t>cpu.elf</a:t>
+            </a:r>
+            <a:r>
+              <a:rPr lang="en-US" sz="1600" dirty="0">
+                <a:latin typeface="Courier New" panose="02070309020205020404" pitchFamily="49" charset="0"/>
+                <a:cs typeface="Courier New" panose="02070309020205020404" pitchFamily="49" charset="0"/>
+              </a:rPr>
+              <a:t>`</a:t>
+            </a:r>
+          </a:p>
+          <a:p>
+            <a:pPr marL="0" indent="0">
+              <a:buNone/>
+            </a:pPr>
+            <a:endParaRPr lang="en-US" sz="1600" dirty="0">
+              <a:latin typeface="Courier New" panose="02070309020205020404" pitchFamily="49" charset="0"/>
+              <a:cs typeface="Courier New" panose="02070309020205020404" pitchFamily="49" charset="0"/>
+            </a:endParaRPr>
+          </a:p>
+          <a:p>
+            <a:pPr marL="0" indent="0">
+              <a:buNone/>
+            </a:pPr>
+            <a:endParaRPr lang="en-US" sz="1600" dirty="0">
+              <a:latin typeface="Courier New" panose="02070309020205020404" pitchFamily="49" charset="0"/>
+              <a:cs typeface="Courier New" panose="02070309020205020404" pitchFamily="49" charset="0"/>
+            </a:endParaRPr>
+          </a:p>
+          <a:p>
+            <a:pPr marL="0" indent="0">
+              <a:buNone/>
+            </a:pPr>
+            <a:endParaRPr lang="en-US" sz="1600" dirty="0">
+              <a:latin typeface="Courier New" panose="02070309020205020404" pitchFamily="49" charset="0"/>
+              <a:cs typeface="Courier New" panose="02070309020205020404" pitchFamily="49" charset="0"/>
+            </a:endParaRPr>
+          </a:p>
+          <a:p>
+            <a:endParaRPr lang="en-US" dirty="0"/>
+          </a:p>
+          <a:p>
+            <a:endParaRPr lang="en-PH" dirty="0"/>
+          </a:p>
+        </p:txBody>
+      </p:sp>
+    </p:spTree>
+    <p:extLst>
+      <p:ext uri="{BB962C8B-B14F-4D97-AF65-F5344CB8AC3E}">
+        <p14:creationId xmlns:p14="http://schemas.microsoft.com/office/powerpoint/2010/main" val="1215538729"/>
       </p:ext>
     </p:extLst>
   </p:cSld>
@@ -7707,7 +8178,7 @@
           <a:p>
             <a:r>
               <a:rPr lang="en-US" altLang="ko-KR" dirty="0"/>
-              <a:t>Lottery Scheduling</a:t>
+              <a:t>Approach #1:Lottery Scheduling</a:t>
             </a:r>
             <a:endParaRPr lang="ko-KR" altLang="en-US" dirty="0"/>
           </a:p>
@@ -8881,7 +9352,7 @@
             <a:pPr lvl="1"/>
             <a:r>
               <a:rPr lang="en-US" altLang="ko-KR" dirty="0"/>
-              <a:t>Example</a:t>
+              <a:t>Example:</a:t>
             </a:r>
           </a:p>
           <a:p>
@@ -8892,14 +9363,14 @@
             </a:r>
           </a:p>
           <a:p>
-            <a:pPr lvl="2"/>
+            <a:pPr lvl="3"/>
             <a:r>
               <a:rPr lang="en-US" altLang="ko-KR" dirty="0"/>
               <a:t>Process A has 100 tickets</a:t>
             </a:r>
           </a:p>
           <a:p>
-            <a:pPr lvl="2"/>
+            <a:pPr lvl="3"/>
             <a:r>
               <a:rPr lang="en-US" altLang="ko-KR" dirty="0"/>
               <a:t>Process B has 100 tickets</a:t>
